--- a/Project Presentation.pptx
+++ b/Project Presentation.pptx
@@ -7,12 +7,14 @@
   <p:sldIdLst>
     <p:sldId id="256" r:id="rId2"/>
     <p:sldId id="257" r:id="rId3"/>
-    <p:sldId id="260" r:id="rId4"/>
-    <p:sldId id="258" r:id="rId5"/>
-    <p:sldId id="261" r:id="rId6"/>
-    <p:sldId id="262" r:id="rId7"/>
-    <p:sldId id="263" r:id="rId8"/>
-    <p:sldId id="259" r:id="rId9"/>
+    <p:sldId id="265" r:id="rId4"/>
+    <p:sldId id="260" r:id="rId5"/>
+    <p:sldId id="258" r:id="rId6"/>
+    <p:sldId id="261" r:id="rId7"/>
+    <p:sldId id="262" r:id="rId8"/>
+    <p:sldId id="263" r:id="rId9"/>
+    <p:sldId id="259" r:id="rId10"/>
+    <p:sldId id="264" r:id="rId11"/>
   </p:sldIdLst>
   <p:sldSz cx="12192000" cy="6858000"/>
   <p:notesSz cx="6858000" cy="9144000"/>
@@ -111,6 +113,11 @@
       </a:defRPr>
     </a:lvl9pPr>
   </p:defaultTextStyle>
+  <p:extLst>
+    <p:ext uri="{EFAFB233-063F-42B5-8137-9DF3F51BA10A}">
+      <p15:sldGuideLst xmlns:p15="http://schemas.microsoft.com/office/powerpoint/2012/main"/>
+    </p:ext>
+  </p:extLst>
 </p:presentation>
 </file>
 
@@ -859,7 +866,7 @@
           <a:p>
             <a:fld id="{A027C059-66A1-4552-859C-264AC912BE4A}" type="datetimeFigureOut">
               <a:rPr lang="en-US" smtClean="0"/>
-              <a:t>4/23/2022</a:t>
+              <a:t>4/26/22</a:t>
             </a:fld>
             <a:endParaRPr lang="en-US"/>
           </a:p>
@@ -1110,7 +1117,7 @@
           <a:p>
             <a:fld id="{A027C059-66A1-4552-859C-264AC912BE4A}" type="datetimeFigureOut">
               <a:rPr lang="en-US" smtClean="0"/>
-              <a:t>4/23/2022</a:t>
+              <a:t>4/26/22</a:t>
             </a:fld>
             <a:endParaRPr lang="en-US"/>
           </a:p>
@@ -1424,7 +1431,7 @@
           <a:p>
             <a:fld id="{A027C059-66A1-4552-859C-264AC912BE4A}" type="datetimeFigureOut">
               <a:rPr lang="en-US" smtClean="0"/>
-              <a:t>4/23/2022</a:t>
+              <a:t>4/26/22</a:t>
             </a:fld>
             <a:endParaRPr lang="en-US"/>
           </a:p>
@@ -1757,7 +1764,7 @@
           <a:p>
             <a:fld id="{A027C059-66A1-4552-859C-264AC912BE4A}" type="datetimeFigureOut">
               <a:rPr lang="en-US" smtClean="0"/>
-              <a:t>4/23/2022</a:t>
+              <a:t>4/26/22</a:t>
             </a:fld>
             <a:endParaRPr lang="en-US"/>
           </a:p>
@@ -2071,7 +2078,7 @@
           <a:p>
             <a:fld id="{A027C059-66A1-4552-859C-264AC912BE4A}" type="datetimeFigureOut">
               <a:rPr lang="en-US" smtClean="0"/>
-              <a:t>4/23/2022</a:t>
+              <a:t>4/26/22</a:t>
             </a:fld>
             <a:endParaRPr lang="en-US"/>
           </a:p>
@@ -2464,7 +2471,7 @@
           <a:p>
             <a:fld id="{A027C059-66A1-4552-859C-264AC912BE4A}" type="datetimeFigureOut">
               <a:rPr lang="en-US" smtClean="0"/>
-              <a:t>4/23/2022</a:t>
+              <a:t>4/26/22</a:t>
             </a:fld>
             <a:endParaRPr lang="en-US"/>
           </a:p>
@@ -2634,7 +2641,7 @@
           <a:p>
             <a:fld id="{A027C059-66A1-4552-859C-264AC912BE4A}" type="datetimeFigureOut">
               <a:rPr lang="en-US" smtClean="0"/>
-              <a:t>4/23/2022</a:t>
+              <a:t>4/26/22</a:t>
             </a:fld>
             <a:endParaRPr lang="en-US"/>
           </a:p>
@@ -2814,7 +2821,7 @@
           <a:p>
             <a:fld id="{A027C059-66A1-4552-859C-264AC912BE4A}" type="datetimeFigureOut">
               <a:rPr lang="en-US" smtClean="0"/>
-              <a:t>4/23/2022</a:t>
+              <a:t>4/26/22</a:t>
             </a:fld>
             <a:endParaRPr lang="en-US"/>
           </a:p>
@@ -2984,7 +2991,7 @@
           <a:p>
             <a:fld id="{A027C059-66A1-4552-859C-264AC912BE4A}" type="datetimeFigureOut">
               <a:rPr lang="en-US" smtClean="0"/>
-              <a:t>4/23/2022</a:t>
+              <a:t>4/26/22</a:t>
             </a:fld>
             <a:endParaRPr lang="en-US"/>
           </a:p>
@@ -3231,7 +3238,7 @@
           <a:p>
             <a:fld id="{A027C059-66A1-4552-859C-264AC912BE4A}" type="datetimeFigureOut">
               <a:rPr lang="en-US" smtClean="0"/>
-              <a:t>4/23/2022</a:t>
+              <a:t>4/26/22</a:t>
             </a:fld>
             <a:endParaRPr lang="en-US"/>
           </a:p>
@@ -3463,7 +3470,7 @@
           <a:p>
             <a:fld id="{A027C059-66A1-4552-859C-264AC912BE4A}" type="datetimeFigureOut">
               <a:rPr lang="en-US" smtClean="0"/>
-              <a:t>4/23/2022</a:t>
+              <a:t>4/26/22</a:t>
             </a:fld>
             <a:endParaRPr lang="en-US"/>
           </a:p>
@@ -3837,7 +3844,7 @@
           <a:p>
             <a:fld id="{A027C059-66A1-4552-859C-264AC912BE4A}" type="datetimeFigureOut">
               <a:rPr lang="en-US" smtClean="0"/>
-              <a:t>4/23/2022</a:t>
+              <a:t>4/26/22</a:t>
             </a:fld>
             <a:endParaRPr lang="en-US"/>
           </a:p>
@@ -3960,7 +3967,7 @@
           <a:p>
             <a:fld id="{A027C059-66A1-4552-859C-264AC912BE4A}" type="datetimeFigureOut">
               <a:rPr lang="en-US" smtClean="0"/>
-              <a:t>4/23/2022</a:t>
+              <a:t>4/26/22</a:t>
             </a:fld>
             <a:endParaRPr lang="en-US"/>
           </a:p>
@@ -4055,7 +4062,7 @@
           <a:p>
             <a:fld id="{A027C059-66A1-4552-859C-264AC912BE4A}" type="datetimeFigureOut">
               <a:rPr lang="en-US" smtClean="0"/>
-              <a:t>4/23/2022</a:t>
+              <a:t>4/26/22</a:t>
             </a:fld>
             <a:endParaRPr lang="en-US"/>
           </a:p>
@@ -4310,7 +4317,7 @@
           <a:p>
             <a:fld id="{A027C059-66A1-4552-859C-264AC912BE4A}" type="datetimeFigureOut">
               <a:rPr lang="en-US" smtClean="0"/>
-              <a:t>4/23/2022</a:t>
+              <a:t>4/26/22</a:t>
             </a:fld>
             <a:endParaRPr lang="en-US"/>
           </a:p>
@@ -4615,7 +4622,7 @@
           <a:p>
             <a:fld id="{A027C059-66A1-4552-859C-264AC912BE4A}" type="datetimeFigureOut">
               <a:rPr lang="en-US" smtClean="0"/>
-              <a:t>4/23/2022</a:t>
+              <a:t>4/26/22</a:t>
             </a:fld>
             <a:endParaRPr lang="en-US"/>
           </a:p>
@@ -5317,7 +5324,7 @@
           <a:p>
             <a:fld id="{A027C059-66A1-4552-859C-264AC912BE4A}" type="datetimeFigureOut">
               <a:rPr lang="en-US" smtClean="0"/>
-              <a:t>4/23/2022</a:t>
+              <a:t>4/26/22</a:t>
             </a:fld>
             <a:endParaRPr lang="en-US"/>
           </a:p>
@@ -5910,6 +5917,104 @@
 </p:sld>
 </file>
 
+<file path=ppt/slides/slide10.xml><?xml version="1.0" encoding="utf-8"?>
+<p:sld xmlns:a="http://schemas.openxmlformats.org/drawingml/2006/main" xmlns:r="http://schemas.openxmlformats.org/officeDocument/2006/relationships" xmlns:p="http://schemas.openxmlformats.org/presentationml/2006/main">
+  <p:cSld>
+    <p:spTree>
+      <p:nvGrpSpPr>
+        <p:cNvPr id="1" name=""/>
+        <p:cNvGrpSpPr/>
+        <p:nvPr/>
+      </p:nvGrpSpPr>
+      <p:grpSpPr>
+        <a:xfrm>
+          <a:off x="0" y="0"/>
+          <a:ext cx="0" cy="0"/>
+          <a:chOff x="0" y="0"/>
+          <a:chExt cx="0" cy="0"/>
+        </a:xfrm>
+      </p:grpSpPr>
+      <p:sp>
+        <p:nvSpPr>
+          <p:cNvPr id="2" name="Title 1">
+            <a:extLst>
+              <a:ext uri="{FF2B5EF4-FFF2-40B4-BE49-F238E27FC236}">
+                <a16:creationId xmlns:a16="http://schemas.microsoft.com/office/drawing/2014/main" id="{251A3675-2F83-4B26-AA1F-66883A842D51}"/>
+              </a:ext>
+            </a:extLst>
+          </p:cNvPr>
+          <p:cNvSpPr>
+            <a:spLocks noGrp="1"/>
+          </p:cNvSpPr>
+          <p:nvPr>
+            <p:ph type="title"/>
+          </p:nvPr>
+        </p:nvSpPr>
+        <p:spPr/>
+        <p:txBody>
+          <a:bodyPr/>
+          <a:lstStyle/>
+          <a:p>
+            <a:r>
+              <a:rPr lang="en-US" dirty="0"/>
+              <a:t>Current Thoughts on Data so Far</a:t>
+            </a:r>
+          </a:p>
+        </p:txBody>
+      </p:sp>
+      <p:sp>
+        <p:nvSpPr>
+          <p:cNvPr id="3" name="Content Placeholder 2">
+            <a:extLst>
+              <a:ext uri="{FF2B5EF4-FFF2-40B4-BE49-F238E27FC236}">
+                <a16:creationId xmlns:a16="http://schemas.microsoft.com/office/drawing/2014/main" id="{9EBE7CF1-88CF-416C-A070-8BDAA1AE570A}"/>
+              </a:ext>
+            </a:extLst>
+          </p:cNvPr>
+          <p:cNvSpPr>
+            <a:spLocks noGrp="1"/>
+          </p:cNvSpPr>
+          <p:nvPr>
+            <p:ph idx="1"/>
+          </p:nvPr>
+        </p:nvSpPr>
+        <p:spPr/>
+        <p:txBody>
+          <a:bodyPr/>
+          <a:lstStyle/>
+          <a:p>
+            <a:r>
+              <a:rPr lang="en-US" dirty="0"/>
+              <a:t>The switch from x86 to ARM resulted in significantly better performance</a:t>
+            </a:r>
+          </a:p>
+          <a:p>
+            <a:r>
+              <a:rPr lang="en-US" dirty="0"/>
+              <a:t>Preliminary information indicates heat is a major factor in the Minecraft test</a:t>
+            </a:r>
+          </a:p>
+          <a:p>
+            <a:r>
+              <a:rPr lang="en-US" dirty="0"/>
+              <a:t>Apple was right to drop Intel</a:t>
+            </a:r>
+          </a:p>
+        </p:txBody>
+      </p:sp>
+    </p:spTree>
+    <p:extLst>
+      <p:ext uri="{BB962C8B-B14F-4D97-AF65-F5344CB8AC3E}">
+        <p14:creationId xmlns:p14="http://schemas.microsoft.com/office/powerpoint/2010/main" val="2741100248"/>
+      </p:ext>
+    </p:extLst>
+  </p:cSld>
+  <p:clrMapOvr>
+    <a:masterClrMapping/>
+  </p:clrMapOvr>
+</p:sld>
+</file>
+
 <file path=ppt/slides/slide2.xml><?xml version="1.0" encoding="utf-8"?>
 <p:sld xmlns:a="http://schemas.openxmlformats.org/drawingml/2006/main" xmlns:r="http://schemas.openxmlformats.org/officeDocument/2006/relationships" xmlns:p="http://schemas.openxmlformats.org/presentationml/2006/main">
   <p:cSld>
@@ -5992,7 +6097,7 @@
             </a:pPr>
             <a:r>
               <a:rPr lang="en-US" dirty="0"/>
-              <a:t>Intel – ARM switch</a:t>
+              <a:t>Intel(x86) – ARM switch</a:t>
             </a:r>
           </a:p>
           <a:p>
@@ -6018,6 +6123,127 @@
 </file>
 
 <file path=ppt/slides/slide3.xml><?xml version="1.0" encoding="utf-8"?>
+<p:sld xmlns:a="http://schemas.openxmlformats.org/drawingml/2006/main" xmlns:r="http://schemas.openxmlformats.org/officeDocument/2006/relationships" xmlns:p="http://schemas.openxmlformats.org/presentationml/2006/main">
+  <p:cSld>
+    <p:spTree>
+      <p:nvGrpSpPr>
+        <p:cNvPr id="1" name=""/>
+        <p:cNvGrpSpPr/>
+        <p:nvPr/>
+      </p:nvGrpSpPr>
+      <p:grpSpPr>
+        <a:xfrm>
+          <a:off x="0" y="0"/>
+          <a:ext cx="0" cy="0"/>
+          <a:chOff x="0" y="0"/>
+          <a:chExt cx="0" cy="0"/>
+        </a:xfrm>
+      </p:grpSpPr>
+      <p:sp>
+        <p:nvSpPr>
+          <p:cNvPr id="2" name="Title 1">
+            <a:extLst>
+              <a:ext uri="{FF2B5EF4-FFF2-40B4-BE49-F238E27FC236}">
+                <a16:creationId xmlns:a16="http://schemas.microsoft.com/office/drawing/2014/main" id="{112874DC-3699-4C89-853C-DCE1D6B2530A}"/>
+              </a:ext>
+            </a:extLst>
+          </p:cNvPr>
+          <p:cNvSpPr>
+            <a:spLocks noGrp="1"/>
+          </p:cNvSpPr>
+          <p:nvPr>
+            <p:ph type="title"/>
+          </p:nvPr>
+        </p:nvSpPr>
+        <p:spPr/>
+        <p:txBody>
+          <a:bodyPr/>
+          <a:lstStyle/>
+          <a:p>
+            <a:r>
+              <a:rPr lang="en-US" dirty="0"/>
+              <a:t>Expectations</a:t>
+            </a:r>
+          </a:p>
+        </p:txBody>
+      </p:sp>
+      <p:sp>
+        <p:nvSpPr>
+          <p:cNvPr id="3" name="Content Placeholder 2">
+            <a:extLst>
+              <a:ext uri="{FF2B5EF4-FFF2-40B4-BE49-F238E27FC236}">
+                <a16:creationId xmlns:a16="http://schemas.microsoft.com/office/drawing/2014/main" id="{6579E840-38F8-4905-8436-8E017E90667F}"/>
+              </a:ext>
+            </a:extLst>
+          </p:cNvPr>
+          <p:cNvSpPr>
+            <a:spLocks noGrp="1"/>
+          </p:cNvSpPr>
+          <p:nvPr>
+            <p:ph idx="1"/>
+          </p:nvPr>
+        </p:nvSpPr>
+        <p:spPr/>
+        <p:txBody>
+          <a:bodyPr/>
+          <a:lstStyle/>
+          <a:p>
+            <a:pPr>
+              <a:buFont typeface="Wingdings" panose="05000000000000000000" pitchFamily="2" charset="2"/>
+              <a:buChar char="q"/>
+            </a:pPr>
+            <a:r>
+              <a:rPr lang="en-US" dirty="0" err="1"/>
+              <a:t>Macbooks</a:t>
+            </a:r>
+            <a:r>
+              <a:rPr lang="en-US" dirty="0"/>
+              <a:t> with ARM perform better than the Intel variant</a:t>
+            </a:r>
+          </a:p>
+          <a:p>
+            <a:pPr>
+              <a:buFont typeface="Wingdings" panose="05000000000000000000" pitchFamily="2" charset="2"/>
+              <a:buChar char="q"/>
+            </a:pPr>
+            <a:r>
+              <a:rPr lang="en-US" dirty="0"/>
+              <a:t>Performance of the 2021 ARM should be better than the 2020 ARM</a:t>
+            </a:r>
+          </a:p>
+          <a:p>
+            <a:pPr>
+              <a:buFont typeface="Wingdings" panose="05000000000000000000" pitchFamily="2" charset="2"/>
+              <a:buChar char="q"/>
+            </a:pPr>
+            <a:r>
+              <a:rPr lang="en-US" dirty="0"/>
+              <a:t>Heat may play a factor in the Minecraft tests</a:t>
+            </a:r>
+          </a:p>
+          <a:p>
+            <a:pPr>
+              <a:buFont typeface="Wingdings" panose="05000000000000000000" pitchFamily="2" charset="2"/>
+              <a:buChar char="q"/>
+            </a:pPr>
+            <a:endParaRPr lang="en-US" dirty="0"/>
+          </a:p>
+        </p:txBody>
+      </p:sp>
+    </p:spTree>
+    <p:extLst>
+      <p:ext uri="{BB962C8B-B14F-4D97-AF65-F5344CB8AC3E}">
+        <p14:creationId xmlns:p14="http://schemas.microsoft.com/office/powerpoint/2010/main" val="655190752"/>
+      </p:ext>
+    </p:extLst>
+  </p:cSld>
+  <p:clrMapOvr>
+    <a:masterClrMapping/>
+  </p:clrMapOvr>
+</p:sld>
+</file>
+
+<file path=ppt/slides/slide4.xml><?xml version="1.0" encoding="utf-8"?>
 <p:sld xmlns:a="http://schemas.openxmlformats.org/drawingml/2006/main" xmlns:r="http://schemas.openxmlformats.org/officeDocument/2006/relationships" xmlns:p="http://schemas.openxmlformats.org/presentationml/2006/main">
   <p:cSld>
     <p:spTree>
@@ -6568,7 +6794,7 @@
 </p:sld>
 </file>
 
-<file path=ppt/slides/slide4.xml><?xml version="1.0" encoding="utf-8"?>
+<file path=ppt/slides/slide5.xml><?xml version="1.0" encoding="utf-8"?>
 <p:sld xmlns:a="http://schemas.openxmlformats.org/drawingml/2006/main" xmlns:r="http://schemas.openxmlformats.org/officeDocument/2006/relationships" xmlns:p="http://schemas.openxmlformats.org/presentationml/2006/main">
   <p:cSld>
     <p:spTree>
@@ -6700,7 +6926,7 @@
 </p:sld>
 </file>
 
-<file path=ppt/slides/slide5.xml><?xml version="1.0" encoding="utf-8"?>
+<file path=ppt/slides/slide6.xml><?xml version="1.0" encoding="utf-8"?>
 <p:sld xmlns:a="http://schemas.openxmlformats.org/drawingml/2006/main" xmlns:r="http://schemas.openxmlformats.org/officeDocument/2006/relationships" xmlns:p="http://schemas.openxmlformats.org/presentationml/2006/main">
   <p:cSld>
     <p:spTree>
@@ -6817,6 +7043,45 @@
           </a:prstGeom>
         </p:spPr>
       </p:pic>
+      <p:sp>
+        <p:nvSpPr>
+          <p:cNvPr id="3" name="TextBox 2">
+            <a:extLst>
+              <a:ext uri="{FF2B5EF4-FFF2-40B4-BE49-F238E27FC236}">
+                <a16:creationId xmlns:a16="http://schemas.microsoft.com/office/drawing/2014/main" id="{8AACEC0B-7188-4129-4440-A2DED12F37B5}"/>
+              </a:ext>
+            </a:extLst>
+          </p:cNvPr>
+          <p:cNvSpPr txBox="1"/>
+          <p:nvPr/>
+        </p:nvSpPr>
+        <p:spPr>
+          <a:xfrm>
+            <a:off x="677334" y="1270000"/>
+            <a:ext cx="1292087" cy="276999"/>
+          </a:xfrm>
+          <a:prstGeom prst="rect">
+            <a:avLst/>
+          </a:prstGeom>
+          <a:noFill/>
+        </p:spPr>
+        <p:txBody>
+          <a:bodyPr wrap="square" rtlCol="0">
+            <a:spAutoFit/>
+          </a:bodyPr>
+          <a:lstStyle/>
+          <a:p>
+            <a:r>
+              <a:rPr lang="en-US" sz="1200" dirty="0">
+                <a:solidFill>
+                  <a:schemeClr val="accent1"/>
+                </a:solidFill>
+              </a:rPr>
+              <a:t>Lower is better</a:t>
+            </a:r>
+          </a:p>
+        </p:txBody>
+      </p:sp>
     </p:spTree>
     <p:extLst>
       <p:ext uri="{BB962C8B-B14F-4D97-AF65-F5344CB8AC3E}">
@@ -6830,7 +7095,7 @@
 </p:sld>
 </file>
 
-<file path=ppt/slides/slide6.xml><?xml version="1.0" encoding="utf-8"?>
+<file path=ppt/slides/slide7.xml><?xml version="1.0" encoding="utf-8"?>
 <p:sld xmlns:a="http://schemas.openxmlformats.org/drawingml/2006/main" xmlns:r="http://schemas.openxmlformats.org/officeDocument/2006/relationships" xmlns:p="http://schemas.openxmlformats.org/presentationml/2006/main">
   <p:cSld>
     <p:spTree>
@@ -6947,6 +7212,45 @@
           </a:prstGeom>
         </p:spPr>
       </p:pic>
+      <p:sp>
+        <p:nvSpPr>
+          <p:cNvPr id="5" name="TextBox 4">
+            <a:extLst>
+              <a:ext uri="{FF2B5EF4-FFF2-40B4-BE49-F238E27FC236}">
+                <a16:creationId xmlns:a16="http://schemas.microsoft.com/office/drawing/2014/main" id="{75A21D47-627E-1507-FC35-0A91B8019EBA}"/>
+              </a:ext>
+            </a:extLst>
+          </p:cNvPr>
+          <p:cNvSpPr txBox="1"/>
+          <p:nvPr/>
+        </p:nvSpPr>
+        <p:spPr>
+          <a:xfrm>
+            <a:off x="677334" y="1270000"/>
+            <a:ext cx="1292087" cy="276999"/>
+          </a:xfrm>
+          <a:prstGeom prst="rect">
+            <a:avLst/>
+          </a:prstGeom>
+          <a:noFill/>
+        </p:spPr>
+        <p:txBody>
+          <a:bodyPr wrap="square" rtlCol="0">
+            <a:spAutoFit/>
+          </a:bodyPr>
+          <a:lstStyle/>
+          <a:p>
+            <a:r>
+              <a:rPr lang="en-US" sz="1200" dirty="0">
+                <a:solidFill>
+                  <a:schemeClr val="accent1"/>
+                </a:solidFill>
+              </a:rPr>
+              <a:t>Lower is better</a:t>
+            </a:r>
+          </a:p>
+        </p:txBody>
+      </p:sp>
     </p:spTree>
     <p:extLst>
       <p:ext uri="{BB962C8B-B14F-4D97-AF65-F5344CB8AC3E}">
@@ -6960,7 +7264,7 @@
 </p:sld>
 </file>
 
-<file path=ppt/slides/slide7.xml><?xml version="1.0" encoding="utf-8"?>
+<file path=ppt/slides/slide8.xml><?xml version="1.0" encoding="utf-8"?>
 <p:sld xmlns:a="http://schemas.openxmlformats.org/drawingml/2006/main" xmlns:r="http://schemas.openxmlformats.org/officeDocument/2006/relationships" xmlns:p="http://schemas.openxmlformats.org/presentationml/2006/main">
   <p:cSld>
     <p:spTree>
@@ -7054,7 +7358,7 @@
 </p:sld>
 </file>
 
-<file path=ppt/slides/slide8.xml><?xml version="1.0" encoding="utf-8"?>
+<file path=ppt/slides/slide9.xml><?xml version="1.0" encoding="utf-8"?>
 <p:sld xmlns:a="http://schemas.openxmlformats.org/drawingml/2006/main" xmlns:r="http://schemas.openxmlformats.org/officeDocument/2006/relationships" xmlns:p="http://schemas.openxmlformats.org/presentationml/2006/main">
   <p:cSld>
     <p:spTree>

--- a/Project Presentation.pptx
+++ b/Project Presentation.pptx
@@ -4,6 +4,9 @@
   <p:sldMasterIdLst>
     <p:sldMasterId id="2147483808" r:id="rId1"/>
   </p:sldMasterIdLst>
+  <p:notesMasterIdLst>
+    <p:notesMasterId r:id="rId13"/>
+  </p:notesMasterIdLst>
   <p:sldIdLst>
     <p:sldId id="256" r:id="rId2"/>
     <p:sldId id="257" r:id="rId3"/>
@@ -14,7 +17,8 @@
     <p:sldId id="262" r:id="rId8"/>
     <p:sldId id="263" r:id="rId9"/>
     <p:sldId id="259" r:id="rId10"/>
-    <p:sldId id="264" r:id="rId11"/>
+    <p:sldId id="266" r:id="rId11"/>
+    <p:sldId id="264" r:id="rId12"/>
   </p:sldIdLst>
   <p:sldSz cx="12192000" cy="6858000"/>
   <p:notesSz cx="6858000" cy="9144000"/>
@@ -119,6 +123,448 @@
     </p:ext>
   </p:extLst>
 </p:presentation>
+</file>
+
+<file path=ppt/notesMasters/notesMaster1.xml><?xml version="1.0" encoding="utf-8"?>
+<p:notesMaster xmlns:a="http://schemas.openxmlformats.org/drawingml/2006/main" xmlns:r="http://schemas.openxmlformats.org/officeDocument/2006/relationships" xmlns:p="http://schemas.openxmlformats.org/presentationml/2006/main">
+  <p:cSld>
+    <p:bg>
+      <p:bgRef idx="1001">
+        <a:schemeClr val="bg1"/>
+      </p:bgRef>
+    </p:bg>
+    <p:spTree>
+      <p:nvGrpSpPr>
+        <p:cNvPr id="1" name=""/>
+        <p:cNvGrpSpPr/>
+        <p:nvPr/>
+      </p:nvGrpSpPr>
+      <p:grpSpPr>
+        <a:xfrm>
+          <a:off x="0" y="0"/>
+          <a:ext cx="0" cy="0"/>
+          <a:chOff x="0" y="0"/>
+          <a:chExt cx="0" cy="0"/>
+        </a:xfrm>
+      </p:grpSpPr>
+      <p:sp>
+        <p:nvSpPr>
+          <p:cNvPr id="2" name="Header Placeholder 1"/>
+          <p:cNvSpPr>
+            <a:spLocks noGrp="1"/>
+          </p:cNvSpPr>
+          <p:nvPr>
+            <p:ph type="hdr" sz="quarter"/>
+          </p:nvPr>
+        </p:nvSpPr>
+        <p:spPr>
+          <a:xfrm>
+            <a:off x="0" y="0"/>
+            <a:ext cx="2971800" cy="458788"/>
+          </a:xfrm>
+          <a:prstGeom prst="rect">
+            <a:avLst/>
+          </a:prstGeom>
+        </p:spPr>
+        <p:txBody>
+          <a:bodyPr vert="horz" lIns="91440" tIns="45720" rIns="91440" bIns="45720" rtlCol="0"/>
+          <a:lstStyle>
+            <a:lvl1pPr algn="l">
+              <a:defRPr sz="1200"/>
+            </a:lvl1pPr>
+          </a:lstStyle>
+          <a:p>
+            <a:endParaRPr lang="en-US"/>
+          </a:p>
+        </p:txBody>
+      </p:sp>
+      <p:sp>
+        <p:nvSpPr>
+          <p:cNvPr id="3" name="Date Placeholder 2"/>
+          <p:cNvSpPr>
+            <a:spLocks noGrp="1"/>
+          </p:cNvSpPr>
+          <p:nvPr>
+            <p:ph type="dt" idx="1"/>
+          </p:nvPr>
+        </p:nvSpPr>
+        <p:spPr>
+          <a:xfrm>
+            <a:off x="3884613" y="0"/>
+            <a:ext cx="2971800" cy="458788"/>
+          </a:xfrm>
+          <a:prstGeom prst="rect">
+            <a:avLst/>
+          </a:prstGeom>
+        </p:spPr>
+        <p:txBody>
+          <a:bodyPr vert="horz" lIns="91440" tIns="45720" rIns="91440" bIns="45720" rtlCol="0"/>
+          <a:lstStyle>
+            <a:lvl1pPr algn="r">
+              <a:defRPr sz="1200"/>
+            </a:lvl1pPr>
+          </a:lstStyle>
+          <a:p>
+            <a:fld id="{BDA9741B-E369-498D-94CF-0B8D985DE6D9}" type="datetimeFigureOut">
+              <a:rPr lang="en-US" smtClean="0"/>
+              <a:t>4/26/2022</a:t>
+            </a:fld>
+            <a:endParaRPr lang="en-US"/>
+          </a:p>
+        </p:txBody>
+      </p:sp>
+      <p:sp>
+        <p:nvSpPr>
+          <p:cNvPr id="4" name="Slide Image Placeholder 3"/>
+          <p:cNvSpPr>
+            <a:spLocks noGrp="1" noRot="1" noChangeAspect="1"/>
+          </p:cNvSpPr>
+          <p:nvPr>
+            <p:ph type="sldImg" idx="2"/>
+          </p:nvPr>
+        </p:nvSpPr>
+        <p:spPr>
+          <a:xfrm>
+            <a:off x="685800" y="1143000"/>
+            <a:ext cx="5486400" cy="3086100"/>
+          </a:xfrm>
+          <a:prstGeom prst="rect">
+            <a:avLst/>
+          </a:prstGeom>
+          <a:noFill/>
+          <a:ln w="12700">
+            <a:solidFill>
+              <a:prstClr val="black"/>
+            </a:solidFill>
+          </a:ln>
+        </p:spPr>
+        <p:txBody>
+          <a:bodyPr vert="horz" lIns="91440" tIns="45720" rIns="91440" bIns="45720" rtlCol="0" anchor="ctr"/>
+          <a:lstStyle/>
+          <a:p>
+            <a:endParaRPr lang="en-US"/>
+          </a:p>
+        </p:txBody>
+      </p:sp>
+      <p:sp>
+        <p:nvSpPr>
+          <p:cNvPr id="5" name="Notes Placeholder 4"/>
+          <p:cNvSpPr>
+            <a:spLocks noGrp="1"/>
+          </p:cNvSpPr>
+          <p:nvPr>
+            <p:ph type="body" sz="quarter" idx="3"/>
+          </p:nvPr>
+        </p:nvSpPr>
+        <p:spPr>
+          <a:xfrm>
+            <a:off x="685800" y="4400550"/>
+            <a:ext cx="5486400" cy="3600450"/>
+          </a:xfrm>
+          <a:prstGeom prst="rect">
+            <a:avLst/>
+          </a:prstGeom>
+        </p:spPr>
+        <p:txBody>
+          <a:bodyPr vert="horz" lIns="91440" tIns="45720" rIns="91440" bIns="45720" rtlCol="0"/>
+          <a:lstStyle/>
+          <a:p>
+            <a:pPr lvl="0"/>
+            <a:r>
+              <a:rPr lang="en-US"/>
+              <a:t>Click to edit Master text styles</a:t>
+            </a:r>
+          </a:p>
+          <a:p>
+            <a:pPr lvl="1"/>
+            <a:r>
+              <a:rPr lang="en-US"/>
+              <a:t>Second level</a:t>
+            </a:r>
+          </a:p>
+          <a:p>
+            <a:pPr lvl="2"/>
+            <a:r>
+              <a:rPr lang="en-US"/>
+              <a:t>Third level</a:t>
+            </a:r>
+          </a:p>
+          <a:p>
+            <a:pPr lvl="3"/>
+            <a:r>
+              <a:rPr lang="en-US"/>
+              <a:t>Fourth level</a:t>
+            </a:r>
+          </a:p>
+          <a:p>
+            <a:pPr lvl="4"/>
+            <a:r>
+              <a:rPr lang="en-US"/>
+              <a:t>Fifth level</a:t>
+            </a:r>
+          </a:p>
+        </p:txBody>
+      </p:sp>
+      <p:sp>
+        <p:nvSpPr>
+          <p:cNvPr id="6" name="Footer Placeholder 5"/>
+          <p:cNvSpPr>
+            <a:spLocks noGrp="1"/>
+          </p:cNvSpPr>
+          <p:nvPr>
+            <p:ph type="ftr" sz="quarter" idx="4"/>
+          </p:nvPr>
+        </p:nvSpPr>
+        <p:spPr>
+          <a:xfrm>
+            <a:off x="0" y="8685213"/>
+            <a:ext cx="2971800" cy="458787"/>
+          </a:xfrm>
+          <a:prstGeom prst="rect">
+            <a:avLst/>
+          </a:prstGeom>
+        </p:spPr>
+        <p:txBody>
+          <a:bodyPr vert="horz" lIns="91440" tIns="45720" rIns="91440" bIns="45720" rtlCol="0" anchor="b"/>
+          <a:lstStyle>
+            <a:lvl1pPr algn="l">
+              <a:defRPr sz="1200"/>
+            </a:lvl1pPr>
+          </a:lstStyle>
+          <a:p>
+            <a:endParaRPr lang="en-US"/>
+          </a:p>
+        </p:txBody>
+      </p:sp>
+      <p:sp>
+        <p:nvSpPr>
+          <p:cNvPr id="7" name="Slide Number Placeholder 6"/>
+          <p:cNvSpPr>
+            <a:spLocks noGrp="1"/>
+          </p:cNvSpPr>
+          <p:nvPr>
+            <p:ph type="sldNum" sz="quarter" idx="5"/>
+          </p:nvPr>
+        </p:nvSpPr>
+        <p:spPr>
+          <a:xfrm>
+            <a:off x="3884613" y="8685213"/>
+            <a:ext cx="2971800" cy="458787"/>
+          </a:xfrm>
+          <a:prstGeom prst="rect">
+            <a:avLst/>
+          </a:prstGeom>
+        </p:spPr>
+        <p:txBody>
+          <a:bodyPr vert="horz" lIns="91440" tIns="45720" rIns="91440" bIns="45720" rtlCol="0" anchor="b"/>
+          <a:lstStyle>
+            <a:lvl1pPr algn="r">
+              <a:defRPr sz="1200"/>
+            </a:lvl1pPr>
+          </a:lstStyle>
+          <a:p>
+            <a:fld id="{B3540555-9E05-4369-883F-A9378145B7E4}" type="slidenum">
+              <a:rPr lang="en-US" smtClean="0"/>
+              <a:t>‹#›</a:t>
+            </a:fld>
+            <a:endParaRPr lang="en-US"/>
+          </a:p>
+        </p:txBody>
+      </p:sp>
+    </p:spTree>
+    <p:extLst>
+      <p:ext uri="{BB962C8B-B14F-4D97-AF65-F5344CB8AC3E}">
+        <p14:creationId xmlns:p14="http://schemas.microsoft.com/office/powerpoint/2010/main" val="2759911638"/>
+      </p:ext>
+    </p:extLst>
+  </p:cSld>
+  <p:clrMap bg1="lt1" tx1="dk1" bg2="lt2" tx2="dk2" accent1="accent1" accent2="accent2" accent3="accent3" accent4="accent4" accent5="accent5" accent6="accent6" hlink="hlink" folHlink="folHlink"/>
+  <p:notesStyle>
+    <a:lvl1pPr marL="0" algn="l" defTabSz="914400" rtl="0" eaLnBrk="1" latinLnBrk="0" hangingPunct="1">
+      <a:defRPr sz="1200" kern="1200">
+        <a:solidFill>
+          <a:schemeClr val="tx1"/>
+        </a:solidFill>
+        <a:latin typeface="+mn-lt"/>
+        <a:ea typeface="+mn-ea"/>
+        <a:cs typeface="+mn-cs"/>
+      </a:defRPr>
+    </a:lvl1pPr>
+    <a:lvl2pPr marL="457200" algn="l" defTabSz="914400" rtl="0" eaLnBrk="1" latinLnBrk="0" hangingPunct="1">
+      <a:defRPr sz="1200" kern="1200">
+        <a:solidFill>
+          <a:schemeClr val="tx1"/>
+        </a:solidFill>
+        <a:latin typeface="+mn-lt"/>
+        <a:ea typeface="+mn-ea"/>
+        <a:cs typeface="+mn-cs"/>
+      </a:defRPr>
+    </a:lvl2pPr>
+    <a:lvl3pPr marL="914400" algn="l" defTabSz="914400" rtl="0" eaLnBrk="1" latinLnBrk="0" hangingPunct="1">
+      <a:defRPr sz="1200" kern="1200">
+        <a:solidFill>
+          <a:schemeClr val="tx1"/>
+        </a:solidFill>
+        <a:latin typeface="+mn-lt"/>
+        <a:ea typeface="+mn-ea"/>
+        <a:cs typeface="+mn-cs"/>
+      </a:defRPr>
+    </a:lvl3pPr>
+    <a:lvl4pPr marL="1371600" algn="l" defTabSz="914400" rtl="0" eaLnBrk="1" latinLnBrk="0" hangingPunct="1">
+      <a:defRPr sz="1200" kern="1200">
+        <a:solidFill>
+          <a:schemeClr val="tx1"/>
+        </a:solidFill>
+        <a:latin typeface="+mn-lt"/>
+        <a:ea typeface="+mn-ea"/>
+        <a:cs typeface="+mn-cs"/>
+      </a:defRPr>
+    </a:lvl4pPr>
+    <a:lvl5pPr marL="1828800" algn="l" defTabSz="914400" rtl="0" eaLnBrk="1" latinLnBrk="0" hangingPunct="1">
+      <a:defRPr sz="1200" kern="1200">
+        <a:solidFill>
+          <a:schemeClr val="tx1"/>
+        </a:solidFill>
+        <a:latin typeface="+mn-lt"/>
+        <a:ea typeface="+mn-ea"/>
+        <a:cs typeface="+mn-cs"/>
+      </a:defRPr>
+    </a:lvl5pPr>
+    <a:lvl6pPr marL="2286000" algn="l" defTabSz="914400" rtl="0" eaLnBrk="1" latinLnBrk="0" hangingPunct="1">
+      <a:defRPr sz="1200" kern="1200">
+        <a:solidFill>
+          <a:schemeClr val="tx1"/>
+        </a:solidFill>
+        <a:latin typeface="+mn-lt"/>
+        <a:ea typeface="+mn-ea"/>
+        <a:cs typeface="+mn-cs"/>
+      </a:defRPr>
+    </a:lvl6pPr>
+    <a:lvl7pPr marL="2743200" algn="l" defTabSz="914400" rtl="0" eaLnBrk="1" latinLnBrk="0" hangingPunct="1">
+      <a:defRPr sz="1200" kern="1200">
+        <a:solidFill>
+          <a:schemeClr val="tx1"/>
+        </a:solidFill>
+        <a:latin typeface="+mn-lt"/>
+        <a:ea typeface="+mn-ea"/>
+        <a:cs typeface="+mn-cs"/>
+      </a:defRPr>
+    </a:lvl7pPr>
+    <a:lvl8pPr marL="3200400" algn="l" defTabSz="914400" rtl="0" eaLnBrk="1" latinLnBrk="0" hangingPunct="1">
+      <a:defRPr sz="1200" kern="1200">
+        <a:solidFill>
+          <a:schemeClr val="tx1"/>
+        </a:solidFill>
+        <a:latin typeface="+mn-lt"/>
+        <a:ea typeface="+mn-ea"/>
+        <a:cs typeface="+mn-cs"/>
+      </a:defRPr>
+    </a:lvl8pPr>
+    <a:lvl9pPr marL="3657600" algn="l" defTabSz="914400" rtl="0" eaLnBrk="1" latinLnBrk="0" hangingPunct="1">
+      <a:defRPr sz="1200" kern="1200">
+        <a:solidFill>
+          <a:schemeClr val="tx1"/>
+        </a:solidFill>
+        <a:latin typeface="+mn-lt"/>
+        <a:ea typeface="+mn-ea"/>
+        <a:cs typeface="+mn-cs"/>
+      </a:defRPr>
+    </a:lvl9pPr>
+  </p:notesStyle>
+</p:notesMaster>
+</file>
+
+<file path=ppt/notesSlides/notesSlide1.xml><?xml version="1.0" encoding="utf-8"?>
+<p:notes xmlns:a="http://schemas.openxmlformats.org/drawingml/2006/main" xmlns:r="http://schemas.openxmlformats.org/officeDocument/2006/relationships" xmlns:p="http://schemas.openxmlformats.org/presentationml/2006/main">
+  <p:cSld>
+    <p:spTree>
+      <p:nvGrpSpPr>
+        <p:cNvPr id="1" name=""/>
+        <p:cNvGrpSpPr/>
+        <p:nvPr/>
+      </p:nvGrpSpPr>
+      <p:grpSpPr>
+        <a:xfrm>
+          <a:off x="0" y="0"/>
+          <a:ext cx="0" cy="0"/>
+          <a:chOff x="0" y="0"/>
+          <a:chExt cx="0" cy="0"/>
+        </a:xfrm>
+      </p:grpSpPr>
+      <p:sp>
+        <p:nvSpPr>
+          <p:cNvPr id="2" name="Slide Image Placeholder 1"/>
+          <p:cNvSpPr>
+            <a:spLocks noGrp="1" noRot="1" noChangeAspect="1"/>
+          </p:cNvSpPr>
+          <p:nvPr>
+            <p:ph type="sldImg"/>
+          </p:nvPr>
+        </p:nvSpPr>
+        <p:spPr/>
+      </p:sp>
+      <p:sp>
+        <p:nvSpPr>
+          <p:cNvPr id="3" name="Notes Placeholder 2"/>
+          <p:cNvSpPr>
+            <a:spLocks noGrp="1"/>
+          </p:cNvSpPr>
+          <p:nvPr>
+            <p:ph type="body" idx="1"/>
+          </p:nvPr>
+        </p:nvSpPr>
+        <p:spPr/>
+        <p:txBody>
+          <a:bodyPr/>
+          <a:lstStyle/>
+          <a:p>
+            <a:r>
+              <a:rPr lang="en-US" dirty="0"/>
+              <a:t>During a small test on the MacBook Pro 2020, detonating a 10x10x10 cube, the CPU usage when from a idle stage of 50.1% -&gt; during 326.2% and Max at 542% -&gt; resting 150.2%.</a:t>
+            </a:r>
+          </a:p>
+          <a:p>
+            <a:r>
+              <a:rPr lang="en-US" dirty="0"/>
+              <a:t> </a:t>
+            </a:r>
+          </a:p>
+        </p:txBody>
+      </p:sp>
+      <p:sp>
+        <p:nvSpPr>
+          <p:cNvPr id="4" name="Slide Number Placeholder 3"/>
+          <p:cNvSpPr>
+            <a:spLocks noGrp="1"/>
+          </p:cNvSpPr>
+          <p:nvPr>
+            <p:ph type="sldNum" sz="quarter" idx="5"/>
+          </p:nvPr>
+        </p:nvSpPr>
+        <p:spPr/>
+        <p:txBody>
+          <a:bodyPr/>
+          <a:lstStyle/>
+          <a:p>
+            <a:fld id="{B3540555-9E05-4369-883F-A9378145B7E4}" type="slidenum">
+              <a:rPr lang="en-US" smtClean="0"/>
+              <a:t>10</a:t>
+            </a:fld>
+            <a:endParaRPr lang="en-US"/>
+          </a:p>
+        </p:txBody>
+      </p:sp>
+    </p:spTree>
+    <p:extLst>
+      <p:ext uri="{BB962C8B-B14F-4D97-AF65-F5344CB8AC3E}">
+        <p14:creationId xmlns:p14="http://schemas.microsoft.com/office/powerpoint/2010/main" val="1538054924"/>
+      </p:ext>
+    </p:extLst>
+  </p:cSld>
+  <p:clrMapOvr>
+    <a:masterClrMapping/>
+  </p:clrMapOvr>
+</p:notes>
 </file>
 
 <file path=ppt/slideLayouts/slideLayout1.xml><?xml version="1.0" encoding="utf-8"?>
@@ -866,7 +1312,7 @@
           <a:p>
             <a:fld id="{A027C059-66A1-4552-859C-264AC912BE4A}" type="datetimeFigureOut">
               <a:rPr lang="en-US" smtClean="0"/>
-              <a:t>4/26/22</a:t>
+              <a:t>4/26/2022</a:t>
             </a:fld>
             <a:endParaRPr lang="en-US"/>
           </a:p>
@@ -1117,7 +1563,7 @@
           <a:p>
             <a:fld id="{A027C059-66A1-4552-859C-264AC912BE4A}" type="datetimeFigureOut">
               <a:rPr lang="en-US" smtClean="0"/>
-              <a:t>4/26/22</a:t>
+              <a:t>4/26/2022</a:t>
             </a:fld>
             <a:endParaRPr lang="en-US"/>
           </a:p>
@@ -1431,7 +1877,7 @@
           <a:p>
             <a:fld id="{A027C059-66A1-4552-859C-264AC912BE4A}" type="datetimeFigureOut">
               <a:rPr lang="en-US" smtClean="0"/>
-              <a:t>4/26/22</a:t>
+              <a:t>4/26/2022</a:t>
             </a:fld>
             <a:endParaRPr lang="en-US"/>
           </a:p>
@@ -1764,7 +2210,7 @@
           <a:p>
             <a:fld id="{A027C059-66A1-4552-859C-264AC912BE4A}" type="datetimeFigureOut">
               <a:rPr lang="en-US" smtClean="0"/>
-              <a:t>4/26/22</a:t>
+              <a:t>4/26/2022</a:t>
             </a:fld>
             <a:endParaRPr lang="en-US"/>
           </a:p>
@@ -2078,7 +2524,7 @@
           <a:p>
             <a:fld id="{A027C059-66A1-4552-859C-264AC912BE4A}" type="datetimeFigureOut">
               <a:rPr lang="en-US" smtClean="0"/>
-              <a:t>4/26/22</a:t>
+              <a:t>4/26/2022</a:t>
             </a:fld>
             <a:endParaRPr lang="en-US"/>
           </a:p>
@@ -2471,7 +2917,7 @@
           <a:p>
             <a:fld id="{A027C059-66A1-4552-859C-264AC912BE4A}" type="datetimeFigureOut">
               <a:rPr lang="en-US" smtClean="0"/>
-              <a:t>4/26/22</a:t>
+              <a:t>4/26/2022</a:t>
             </a:fld>
             <a:endParaRPr lang="en-US"/>
           </a:p>
@@ -2641,7 +3087,7 @@
           <a:p>
             <a:fld id="{A027C059-66A1-4552-859C-264AC912BE4A}" type="datetimeFigureOut">
               <a:rPr lang="en-US" smtClean="0"/>
-              <a:t>4/26/22</a:t>
+              <a:t>4/26/2022</a:t>
             </a:fld>
             <a:endParaRPr lang="en-US"/>
           </a:p>
@@ -2821,7 +3267,7 @@
           <a:p>
             <a:fld id="{A027C059-66A1-4552-859C-264AC912BE4A}" type="datetimeFigureOut">
               <a:rPr lang="en-US" smtClean="0"/>
-              <a:t>4/26/22</a:t>
+              <a:t>4/26/2022</a:t>
             </a:fld>
             <a:endParaRPr lang="en-US"/>
           </a:p>
@@ -2991,7 +3437,7 @@
           <a:p>
             <a:fld id="{A027C059-66A1-4552-859C-264AC912BE4A}" type="datetimeFigureOut">
               <a:rPr lang="en-US" smtClean="0"/>
-              <a:t>4/26/22</a:t>
+              <a:t>4/26/2022</a:t>
             </a:fld>
             <a:endParaRPr lang="en-US"/>
           </a:p>
@@ -3238,7 +3684,7 @@
           <a:p>
             <a:fld id="{A027C059-66A1-4552-859C-264AC912BE4A}" type="datetimeFigureOut">
               <a:rPr lang="en-US" smtClean="0"/>
-              <a:t>4/26/22</a:t>
+              <a:t>4/26/2022</a:t>
             </a:fld>
             <a:endParaRPr lang="en-US"/>
           </a:p>
@@ -3470,7 +3916,7 @@
           <a:p>
             <a:fld id="{A027C059-66A1-4552-859C-264AC912BE4A}" type="datetimeFigureOut">
               <a:rPr lang="en-US" smtClean="0"/>
-              <a:t>4/26/22</a:t>
+              <a:t>4/26/2022</a:t>
             </a:fld>
             <a:endParaRPr lang="en-US"/>
           </a:p>
@@ -3844,7 +4290,7 @@
           <a:p>
             <a:fld id="{A027C059-66A1-4552-859C-264AC912BE4A}" type="datetimeFigureOut">
               <a:rPr lang="en-US" smtClean="0"/>
-              <a:t>4/26/22</a:t>
+              <a:t>4/26/2022</a:t>
             </a:fld>
             <a:endParaRPr lang="en-US"/>
           </a:p>
@@ -3967,7 +4413,7 @@
           <a:p>
             <a:fld id="{A027C059-66A1-4552-859C-264AC912BE4A}" type="datetimeFigureOut">
               <a:rPr lang="en-US" smtClean="0"/>
-              <a:t>4/26/22</a:t>
+              <a:t>4/26/2022</a:t>
             </a:fld>
             <a:endParaRPr lang="en-US"/>
           </a:p>
@@ -4062,7 +4508,7 @@
           <a:p>
             <a:fld id="{A027C059-66A1-4552-859C-264AC912BE4A}" type="datetimeFigureOut">
               <a:rPr lang="en-US" smtClean="0"/>
-              <a:t>4/26/22</a:t>
+              <a:t>4/26/2022</a:t>
             </a:fld>
             <a:endParaRPr lang="en-US"/>
           </a:p>
@@ -4317,7 +4763,7 @@
           <a:p>
             <a:fld id="{A027C059-66A1-4552-859C-264AC912BE4A}" type="datetimeFigureOut">
               <a:rPr lang="en-US" smtClean="0"/>
-              <a:t>4/26/22</a:t>
+              <a:t>4/26/2022</a:t>
             </a:fld>
             <a:endParaRPr lang="en-US"/>
           </a:p>
@@ -4622,7 +5068,7 @@
           <a:p>
             <a:fld id="{A027C059-66A1-4552-859C-264AC912BE4A}" type="datetimeFigureOut">
               <a:rPr lang="en-US" smtClean="0"/>
-              <a:t>4/26/22</a:t>
+              <a:t>4/26/2022</a:t>
             </a:fld>
             <a:endParaRPr lang="en-US"/>
           </a:p>
@@ -5324,7 +5770,7 @@
           <a:p>
             <a:fld id="{A027C059-66A1-4552-859C-264AC912BE4A}" type="datetimeFigureOut">
               <a:rPr lang="en-US" smtClean="0"/>
-              <a:t>4/26/22</a:t>
+              <a:t>4/26/2022</a:t>
             </a:fld>
             <a:endParaRPr lang="en-US"/>
           </a:p>
@@ -5918,6 +6364,142 @@
 </file>
 
 <file path=ppt/slides/slide10.xml><?xml version="1.0" encoding="utf-8"?>
+<p:sld xmlns:a="http://schemas.openxmlformats.org/drawingml/2006/main" xmlns:r="http://schemas.openxmlformats.org/officeDocument/2006/relationships" xmlns:p="http://schemas.openxmlformats.org/presentationml/2006/main">
+  <p:cSld>
+    <p:spTree>
+      <p:nvGrpSpPr>
+        <p:cNvPr id="1" name=""/>
+        <p:cNvGrpSpPr/>
+        <p:nvPr/>
+      </p:nvGrpSpPr>
+      <p:grpSpPr>
+        <a:xfrm>
+          <a:off x="0" y="0"/>
+          <a:ext cx="0" cy="0"/>
+          <a:chOff x="0" y="0"/>
+          <a:chExt cx="0" cy="0"/>
+        </a:xfrm>
+      </p:grpSpPr>
+      <p:sp>
+        <p:nvSpPr>
+          <p:cNvPr id="2" name="Title 1">
+            <a:extLst>
+              <a:ext uri="{FF2B5EF4-FFF2-40B4-BE49-F238E27FC236}">
+                <a16:creationId xmlns:a16="http://schemas.microsoft.com/office/drawing/2014/main" id="{130EE665-5CC5-4C56-BA3A-CEA5E5F5587D}"/>
+              </a:ext>
+            </a:extLst>
+          </p:cNvPr>
+          <p:cNvSpPr>
+            <a:spLocks noGrp="1"/>
+          </p:cNvSpPr>
+          <p:nvPr>
+            <p:ph type="title"/>
+          </p:nvPr>
+        </p:nvSpPr>
+        <p:spPr/>
+        <p:txBody>
+          <a:bodyPr/>
+          <a:lstStyle/>
+          <a:p>
+            <a:r>
+              <a:rPr lang="en-US" dirty="0"/>
+              <a:t>Why Minecraft?</a:t>
+            </a:r>
+          </a:p>
+        </p:txBody>
+      </p:sp>
+      <p:sp>
+        <p:nvSpPr>
+          <p:cNvPr id="3" name="Content Placeholder 2">
+            <a:extLst>
+              <a:ext uri="{FF2B5EF4-FFF2-40B4-BE49-F238E27FC236}">
+                <a16:creationId xmlns:a16="http://schemas.microsoft.com/office/drawing/2014/main" id="{A7C98525-9CAF-4542-85EF-2BFAC14EA70E}"/>
+              </a:ext>
+            </a:extLst>
+          </p:cNvPr>
+          <p:cNvSpPr>
+            <a:spLocks noGrp="1"/>
+          </p:cNvSpPr>
+          <p:nvPr>
+            <p:ph idx="1"/>
+          </p:nvPr>
+        </p:nvSpPr>
+        <p:spPr/>
+        <p:txBody>
+          <a:bodyPr/>
+          <a:lstStyle/>
+          <a:p>
+            <a:r>
+              <a:rPr lang="en-US" dirty="0"/>
+              <a:t>Its well known that compared to games on the market. Minecraft is highly CPU intensive(Java version). </a:t>
+            </a:r>
+          </a:p>
+          <a:p>
+            <a:pPr lvl="1"/>
+            <a:r>
+              <a:rPr lang="en-US" dirty="0"/>
+              <a:t>Due to needing to load up all the chucks (</a:t>
+            </a:r>
+            <a:r>
+              <a:rPr lang="en-US" b="0" i="0" dirty="0">
+                <a:solidFill>
+                  <a:srgbClr val="3A3A3A"/>
+                </a:solidFill>
+                <a:effectLst/>
+                <a:latin typeface="rubik"/>
+              </a:rPr>
+              <a:t>a 384-block tall 16×16 segment of a </a:t>
+            </a:r>
+            <a:r>
+              <a:rPr lang="en-US" dirty="0">
+                <a:latin typeface="rubik"/>
+              </a:rPr>
+              <a:t>world) and then store those chucks once you are out of render distance. </a:t>
+            </a:r>
+          </a:p>
+          <a:p>
+            <a:pPr lvl="1"/>
+            <a:r>
+              <a:rPr lang="en-US" dirty="0">
+                <a:latin typeface="rubik"/>
+              </a:rPr>
+              <a:t>It is literary just blocks.</a:t>
+            </a:r>
+          </a:p>
+          <a:p>
+            <a:pPr lvl="1"/>
+            <a:r>
+              <a:rPr lang="en-US" dirty="0">
+                <a:latin typeface="rubik"/>
+              </a:rPr>
+              <a:t>A lack of poor optimization could have led this more reliance on the CPU.  </a:t>
+            </a:r>
+          </a:p>
+          <a:p>
+            <a:pPr lvl="1"/>
+            <a:r>
+              <a:rPr lang="en-US" dirty="0">
+                <a:latin typeface="rubik"/>
+              </a:rPr>
+              <a:t>Java. </a:t>
+            </a:r>
+          </a:p>
+        </p:txBody>
+      </p:sp>
+    </p:spTree>
+    <p:extLst>
+      <p:ext uri="{BB962C8B-B14F-4D97-AF65-F5344CB8AC3E}">
+        <p14:creationId xmlns:p14="http://schemas.microsoft.com/office/powerpoint/2010/main" val="3008574344"/>
+      </p:ext>
+    </p:extLst>
+  </p:cSld>
+  <p:clrMapOvr>
+    <a:masterClrMapping/>
+  </p:clrMapOvr>
+</p:sld>
+</file>
+
+<file path=ppt/slides/slide11.xml><?xml version="1.0" encoding="utf-8"?>
 <p:sld xmlns:a="http://schemas.openxmlformats.org/drawingml/2006/main" xmlns:r="http://schemas.openxmlformats.org/officeDocument/2006/relationships" xmlns:p="http://schemas.openxmlformats.org/presentationml/2006/main">
   <p:cSld>
     <p:spTree>
@@ -7717,4 +8299,299 @@
     </a:ext>
   </a:extLst>
 </a:theme>
+</file>
+
+<file path=ppt/theme/theme2.xml><?xml version="1.0" encoding="utf-8"?>
+<a:theme xmlns:a="http://schemas.openxmlformats.org/drawingml/2006/main" name="Office Theme">
+  <a:themeElements>
+    <a:clrScheme name="Office">
+      <a:dk1>
+        <a:sysClr val="windowText" lastClr="000000"/>
+      </a:dk1>
+      <a:lt1>
+        <a:sysClr val="window" lastClr="FFFFFF"/>
+      </a:lt1>
+      <a:dk2>
+        <a:srgbClr val="44546A"/>
+      </a:dk2>
+      <a:lt2>
+        <a:srgbClr val="E7E6E6"/>
+      </a:lt2>
+      <a:accent1>
+        <a:srgbClr val="4472C4"/>
+      </a:accent1>
+      <a:accent2>
+        <a:srgbClr val="ED7D31"/>
+      </a:accent2>
+      <a:accent3>
+        <a:srgbClr val="A5A5A5"/>
+      </a:accent3>
+      <a:accent4>
+        <a:srgbClr val="FFC000"/>
+      </a:accent4>
+      <a:accent5>
+        <a:srgbClr val="5B9BD5"/>
+      </a:accent5>
+      <a:accent6>
+        <a:srgbClr val="70AD47"/>
+      </a:accent6>
+      <a:hlink>
+        <a:srgbClr val="0563C1"/>
+      </a:hlink>
+      <a:folHlink>
+        <a:srgbClr val="954F72"/>
+      </a:folHlink>
+    </a:clrScheme>
+    <a:fontScheme name="Office">
+      <a:majorFont>
+        <a:latin typeface="Calibri Light" panose="020F0302020204030204"/>
+        <a:ea typeface=""/>
+        <a:cs typeface=""/>
+        <a:font script="Jpan" typeface="游ゴシック Light"/>
+        <a:font script="Hang" typeface="맑은 고딕"/>
+        <a:font script="Hans" typeface="等线 Light"/>
+        <a:font script="Hant" typeface="新細明體"/>
+        <a:font script="Arab" typeface="Times New Roman"/>
+        <a:font script="Hebr" typeface="Times New Roman"/>
+        <a:font script="Thai" typeface="Angsana New"/>
+        <a:font script="Ethi" typeface="Nyala"/>
+        <a:font script="Beng" typeface="Vrinda"/>
+        <a:font script="Gujr" typeface="Shruti"/>
+        <a:font script="Khmr" typeface="MoolBoran"/>
+        <a:font script="Knda" typeface="Tunga"/>
+        <a:font script="Guru" typeface="Raavi"/>
+        <a:font script="Cans" typeface="Euphemia"/>
+        <a:font script="Cher" typeface="Plantagenet Cherokee"/>
+        <a:font script="Yiii" typeface="Microsoft Yi Baiti"/>
+        <a:font script="Tibt" typeface="Microsoft Himalaya"/>
+        <a:font script="Thaa" typeface="MV Boli"/>
+        <a:font script="Deva" typeface="Mangal"/>
+        <a:font script="Telu" typeface="Gautami"/>
+        <a:font script="Taml" typeface="Latha"/>
+        <a:font script="Syrc" typeface="Estrangelo Edessa"/>
+        <a:font script="Orya" typeface="Kalinga"/>
+        <a:font script="Mlym" typeface="Kartika"/>
+        <a:font script="Laoo" typeface="DokChampa"/>
+        <a:font script="Sinh" typeface="Iskoola Pota"/>
+        <a:font script="Mong" typeface="Mongolian Baiti"/>
+        <a:font script="Viet" typeface="Times New Roman"/>
+        <a:font script="Uigh" typeface="Microsoft Uighur"/>
+        <a:font script="Geor" typeface="Sylfaen"/>
+        <a:font script="Armn" typeface="Arial"/>
+        <a:font script="Bugi" typeface="Leelawadee UI"/>
+        <a:font script="Bopo" typeface="Microsoft JhengHei"/>
+        <a:font script="Java" typeface="Javanese Text"/>
+        <a:font script="Lisu" typeface="Segoe UI"/>
+        <a:font script="Mymr" typeface="Myanmar Text"/>
+        <a:font script="Nkoo" typeface="Ebrima"/>
+        <a:font script="Olck" typeface="Nirmala UI"/>
+        <a:font script="Osma" typeface="Ebrima"/>
+        <a:font script="Phag" typeface="Phagspa"/>
+        <a:font script="Syrn" typeface="Estrangelo Edessa"/>
+        <a:font script="Syrj" typeface="Estrangelo Edessa"/>
+        <a:font script="Syre" typeface="Estrangelo Edessa"/>
+        <a:font script="Sora" typeface="Nirmala UI"/>
+        <a:font script="Tale" typeface="Microsoft Tai Le"/>
+        <a:font script="Talu" typeface="Microsoft New Tai Lue"/>
+        <a:font script="Tfng" typeface="Ebrima"/>
+      </a:majorFont>
+      <a:minorFont>
+        <a:latin typeface="Calibri" panose="020F0502020204030204"/>
+        <a:ea typeface=""/>
+        <a:cs typeface=""/>
+        <a:font script="Jpan" typeface="游ゴシック"/>
+        <a:font script="Hang" typeface="맑은 고딕"/>
+        <a:font script="Hans" typeface="等线"/>
+        <a:font script="Hant" typeface="新細明體"/>
+        <a:font script="Arab" typeface="Arial"/>
+        <a:font script="Hebr" typeface="Arial"/>
+        <a:font script="Thai" typeface="Cordia New"/>
+        <a:font script="Ethi" typeface="Nyala"/>
+        <a:font script="Beng" typeface="Vrinda"/>
+        <a:font script="Gujr" typeface="Shruti"/>
+        <a:font script="Khmr" typeface="DaunPenh"/>
+        <a:font script="Knda" typeface="Tunga"/>
+        <a:font script="Guru" typeface="Raavi"/>
+        <a:font script="Cans" typeface="Euphemia"/>
+        <a:font script="Cher" typeface="Plantagenet Cherokee"/>
+        <a:font script="Yiii" typeface="Microsoft Yi Baiti"/>
+        <a:font script="Tibt" typeface="Microsoft Himalaya"/>
+        <a:font script="Thaa" typeface="MV Boli"/>
+        <a:font script="Deva" typeface="Mangal"/>
+        <a:font script="Telu" typeface="Gautami"/>
+        <a:font script="Taml" typeface="Latha"/>
+        <a:font script="Syrc" typeface="Estrangelo Edessa"/>
+        <a:font script="Orya" typeface="Kalinga"/>
+        <a:font script="Mlym" typeface="Kartika"/>
+        <a:font script="Laoo" typeface="DokChampa"/>
+        <a:font script="Sinh" typeface="Iskoola Pota"/>
+        <a:font script="Mong" typeface="Mongolian Baiti"/>
+        <a:font script="Viet" typeface="Arial"/>
+        <a:font script="Uigh" typeface="Microsoft Uighur"/>
+        <a:font script="Geor" typeface="Sylfaen"/>
+        <a:font script="Armn" typeface="Arial"/>
+        <a:font script="Bugi" typeface="Leelawadee UI"/>
+        <a:font script="Bopo" typeface="Microsoft JhengHei"/>
+        <a:font script="Java" typeface="Javanese Text"/>
+        <a:font script="Lisu" typeface="Segoe UI"/>
+        <a:font script="Mymr" typeface="Myanmar Text"/>
+        <a:font script="Nkoo" typeface="Ebrima"/>
+        <a:font script="Olck" typeface="Nirmala UI"/>
+        <a:font script="Osma" typeface="Ebrima"/>
+        <a:font script="Phag" typeface="Phagspa"/>
+        <a:font script="Syrn" typeface="Estrangelo Edessa"/>
+        <a:font script="Syrj" typeface="Estrangelo Edessa"/>
+        <a:font script="Syre" typeface="Estrangelo Edessa"/>
+        <a:font script="Sora" typeface="Nirmala UI"/>
+        <a:font script="Tale" typeface="Microsoft Tai Le"/>
+        <a:font script="Talu" typeface="Microsoft New Tai Lue"/>
+        <a:font script="Tfng" typeface="Ebrima"/>
+      </a:minorFont>
+    </a:fontScheme>
+    <a:fmtScheme name="Office">
+      <a:fillStyleLst>
+        <a:solidFill>
+          <a:schemeClr val="phClr"/>
+        </a:solidFill>
+        <a:gradFill rotWithShape="1">
+          <a:gsLst>
+            <a:gs pos="0">
+              <a:schemeClr val="phClr">
+                <a:lumMod val="110000"/>
+                <a:satMod val="105000"/>
+                <a:tint val="67000"/>
+              </a:schemeClr>
+            </a:gs>
+            <a:gs pos="50000">
+              <a:schemeClr val="phClr">
+                <a:lumMod val="105000"/>
+                <a:satMod val="103000"/>
+                <a:tint val="73000"/>
+              </a:schemeClr>
+            </a:gs>
+            <a:gs pos="100000">
+              <a:schemeClr val="phClr">
+                <a:lumMod val="105000"/>
+                <a:satMod val="109000"/>
+                <a:tint val="81000"/>
+              </a:schemeClr>
+            </a:gs>
+          </a:gsLst>
+          <a:lin ang="5400000" scaled="0"/>
+        </a:gradFill>
+        <a:gradFill rotWithShape="1">
+          <a:gsLst>
+            <a:gs pos="0">
+              <a:schemeClr val="phClr">
+                <a:satMod val="103000"/>
+                <a:lumMod val="102000"/>
+                <a:tint val="94000"/>
+              </a:schemeClr>
+            </a:gs>
+            <a:gs pos="50000">
+              <a:schemeClr val="phClr">
+                <a:satMod val="110000"/>
+                <a:lumMod val="100000"/>
+                <a:shade val="100000"/>
+              </a:schemeClr>
+            </a:gs>
+            <a:gs pos="100000">
+              <a:schemeClr val="phClr">
+                <a:lumMod val="99000"/>
+                <a:satMod val="120000"/>
+                <a:shade val="78000"/>
+              </a:schemeClr>
+            </a:gs>
+          </a:gsLst>
+          <a:lin ang="5400000" scaled="0"/>
+        </a:gradFill>
+      </a:fillStyleLst>
+      <a:lnStyleLst>
+        <a:ln w="6350" cap="flat" cmpd="sng" algn="ctr">
+          <a:solidFill>
+            <a:schemeClr val="phClr"/>
+          </a:solidFill>
+          <a:prstDash val="solid"/>
+          <a:miter lim="800000"/>
+        </a:ln>
+        <a:ln w="12700" cap="flat" cmpd="sng" algn="ctr">
+          <a:solidFill>
+            <a:schemeClr val="phClr"/>
+          </a:solidFill>
+          <a:prstDash val="solid"/>
+          <a:miter lim="800000"/>
+        </a:ln>
+        <a:ln w="19050" cap="flat" cmpd="sng" algn="ctr">
+          <a:solidFill>
+            <a:schemeClr val="phClr"/>
+          </a:solidFill>
+          <a:prstDash val="solid"/>
+          <a:miter lim="800000"/>
+        </a:ln>
+      </a:lnStyleLst>
+      <a:effectStyleLst>
+        <a:effectStyle>
+          <a:effectLst/>
+        </a:effectStyle>
+        <a:effectStyle>
+          <a:effectLst/>
+        </a:effectStyle>
+        <a:effectStyle>
+          <a:effectLst>
+            <a:outerShdw blurRad="57150" dist="19050" dir="5400000" algn="ctr" rotWithShape="0">
+              <a:srgbClr val="000000">
+                <a:alpha val="63000"/>
+              </a:srgbClr>
+            </a:outerShdw>
+          </a:effectLst>
+        </a:effectStyle>
+      </a:effectStyleLst>
+      <a:bgFillStyleLst>
+        <a:solidFill>
+          <a:schemeClr val="phClr"/>
+        </a:solidFill>
+        <a:solidFill>
+          <a:schemeClr val="phClr">
+            <a:tint val="95000"/>
+            <a:satMod val="170000"/>
+          </a:schemeClr>
+        </a:solidFill>
+        <a:gradFill rotWithShape="1">
+          <a:gsLst>
+            <a:gs pos="0">
+              <a:schemeClr val="phClr">
+                <a:tint val="93000"/>
+                <a:satMod val="150000"/>
+                <a:shade val="98000"/>
+                <a:lumMod val="102000"/>
+              </a:schemeClr>
+            </a:gs>
+            <a:gs pos="50000">
+              <a:schemeClr val="phClr">
+                <a:tint val="98000"/>
+                <a:satMod val="130000"/>
+                <a:shade val="90000"/>
+                <a:lumMod val="103000"/>
+              </a:schemeClr>
+            </a:gs>
+            <a:gs pos="100000">
+              <a:schemeClr val="phClr">
+                <a:shade val="63000"/>
+                <a:satMod val="120000"/>
+              </a:schemeClr>
+            </a:gs>
+          </a:gsLst>
+          <a:lin ang="5400000" scaled="0"/>
+        </a:gradFill>
+      </a:bgFillStyleLst>
+    </a:fmtScheme>
+  </a:themeElements>
+  <a:objectDefaults/>
+  <a:extraClrSchemeLst/>
+  <a:extLst>
+    <a:ext uri="{05A4C25C-085E-4340-85A3-A5531E510DB2}">
+      <thm15:themeFamily xmlns:thm15="http://schemas.microsoft.com/office/thememl/2012/main" name="Office Theme" id="{62F939B6-93AF-4DB8-9C6B-D6C7DFDC589F}" vid="{4A3C46E8-61CC-4603-A589-7422A47A8E4A}"/>
+    </a:ext>
+  </a:extLst>
+</a:theme>
 </file>
--- a/Project Presentation.pptx
+++ b/Project Presentation.pptx
@@ -5,7 +5,7 @@
     <p:sldMasterId id="2147483808" r:id="rId1"/>
   </p:sldMasterIdLst>
   <p:notesMasterIdLst>
-    <p:notesMasterId r:id="rId13"/>
+    <p:notesMasterId r:id="rId14"/>
   </p:notesMasterIdLst>
   <p:sldIdLst>
     <p:sldId id="256" r:id="rId2"/>
@@ -13,12 +13,13 @@
     <p:sldId id="265" r:id="rId4"/>
     <p:sldId id="260" r:id="rId5"/>
     <p:sldId id="258" r:id="rId6"/>
-    <p:sldId id="261" r:id="rId7"/>
-    <p:sldId id="262" r:id="rId8"/>
-    <p:sldId id="263" r:id="rId9"/>
-    <p:sldId id="259" r:id="rId10"/>
-    <p:sldId id="266" r:id="rId11"/>
-    <p:sldId id="264" r:id="rId12"/>
+    <p:sldId id="266" r:id="rId7"/>
+    <p:sldId id="261" r:id="rId8"/>
+    <p:sldId id="262" r:id="rId9"/>
+    <p:sldId id="263" r:id="rId10"/>
+    <p:sldId id="259" r:id="rId11"/>
+    <p:sldId id="267" r:id="rId12"/>
+    <p:sldId id="264" r:id="rId13"/>
   </p:sldIdLst>
   <p:sldSz cx="12192000" cy="6858000"/>
   <p:notesSz cx="6858000" cy="9144000"/>
@@ -205,7 +206,7 @@
             </a:lvl1pPr>
           </a:lstStyle>
           <a:p>
-            <a:fld id="{BDA9741B-E369-498D-94CF-0B8D985DE6D9}" type="datetimeFigureOut">
+            <a:fld id="{A99966F8-924B-4C69-B8D7-CFDFBF2DE7A0}" type="datetimeFigureOut">
               <a:rPr lang="en-US" smtClean="0"/>
               <a:t>4/26/2022</a:t>
             </a:fld>
@@ -363,7 +364,7 @@
             </a:lvl1pPr>
           </a:lstStyle>
           <a:p>
-            <a:fld id="{B3540555-9E05-4369-883F-A9378145B7E4}" type="slidenum">
+            <a:fld id="{476AE79A-6230-4F0B-B72E-55700724A959}" type="slidenum">
               <a:rPr lang="en-US" smtClean="0"/>
               <a:t>‹#›</a:t>
             </a:fld>
@@ -374,7 +375,7 @@
     </p:spTree>
     <p:extLst>
       <p:ext uri="{BB962C8B-B14F-4D97-AF65-F5344CB8AC3E}">
-        <p14:creationId xmlns:p14="http://schemas.microsoft.com/office/powerpoint/2010/main" val="2759911638"/>
+        <p14:creationId xmlns:p14="http://schemas.microsoft.com/office/powerpoint/2010/main" val="3294678129"/>
       </p:ext>
     </p:extLst>
   </p:cSld>
@@ -472,99 +473,6 @@
     </a:lvl9pPr>
   </p:notesStyle>
 </p:notesMaster>
-</file>
-
-<file path=ppt/notesSlides/notesSlide1.xml><?xml version="1.0" encoding="utf-8"?>
-<p:notes xmlns:a="http://schemas.openxmlformats.org/drawingml/2006/main" xmlns:r="http://schemas.openxmlformats.org/officeDocument/2006/relationships" xmlns:p="http://schemas.openxmlformats.org/presentationml/2006/main">
-  <p:cSld>
-    <p:spTree>
-      <p:nvGrpSpPr>
-        <p:cNvPr id="1" name=""/>
-        <p:cNvGrpSpPr/>
-        <p:nvPr/>
-      </p:nvGrpSpPr>
-      <p:grpSpPr>
-        <a:xfrm>
-          <a:off x="0" y="0"/>
-          <a:ext cx="0" cy="0"/>
-          <a:chOff x="0" y="0"/>
-          <a:chExt cx="0" cy="0"/>
-        </a:xfrm>
-      </p:grpSpPr>
-      <p:sp>
-        <p:nvSpPr>
-          <p:cNvPr id="2" name="Slide Image Placeholder 1"/>
-          <p:cNvSpPr>
-            <a:spLocks noGrp="1" noRot="1" noChangeAspect="1"/>
-          </p:cNvSpPr>
-          <p:nvPr>
-            <p:ph type="sldImg"/>
-          </p:nvPr>
-        </p:nvSpPr>
-        <p:spPr/>
-      </p:sp>
-      <p:sp>
-        <p:nvSpPr>
-          <p:cNvPr id="3" name="Notes Placeholder 2"/>
-          <p:cNvSpPr>
-            <a:spLocks noGrp="1"/>
-          </p:cNvSpPr>
-          <p:nvPr>
-            <p:ph type="body" idx="1"/>
-          </p:nvPr>
-        </p:nvSpPr>
-        <p:spPr/>
-        <p:txBody>
-          <a:bodyPr/>
-          <a:lstStyle/>
-          <a:p>
-            <a:r>
-              <a:rPr lang="en-US" dirty="0"/>
-              <a:t>During a small test on the MacBook Pro 2020, detonating a 10x10x10 cube, the CPU usage when from a idle stage of 50.1% -&gt; during 326.2% and Max at 542% -&gt; resting 150.2%.</a:t>
-            </a:r>
-          </a:p>
-          <a:p>
-            <a:r>
-              <a:rPr lang="en-US" dirty="0"/>
-              <a:t> </a:t>
-            </a:r>
-          </a:p>
-        </p:txBody>
-      </p:sp>
-      <p:sp>
-        <p:nvSpPr>
-          <p:cNvPr id="4" name="Slide Number Placeholder 3"/>
-          <p:cNvSpPr>
-            <a:spLocks noGrp="1"/>
-          </p:cNvSpPr>
-          <p:nvPr>
-            <p:ph type="sldNum" sz="quarter" idx="5"/>
-          </p:nvPr>
-        </p:nvSpPr>
-        <p:spPr/>
-        <p:txBody>
-          <a:bodyPr/>
-          <a:lstStyle/>
-          <a:p>
-            <a:fld id="{B3540555-9E05-4369-883F-A9378145B7E4}" type="slidenum">
-              <a:rPr lang="en-US" smtClean="0"/>
-              <a:t>10</a:t>
-            </a:fld>
-            <a:endParaRPr lang="en-US"/>
-          </a:p>
-        </p:txBody>
-      </p:sp>
-    </p:spTree>
-    <p:extLst>
-      <p:ext uri="{BB962C8B-B14F-4D97-AF65-F5344CB8AC3E}">
-        <p14:creationId xmlns:p14="http://schemas.microsoft.com/office/powerpoint/2010/main" val="1538054924"/>
-      </p:ext>
-    </p:extLst>
-  </p:cSld>
-  <p:clrMapOvr>
-    <a:masterClrMapping/>
-  </p:clrMapOvr>
-</p:notes>
 </file>
 
 <file path=ppt/slideLayouts/slideLayout1.xml><?xml version="1.0" encoding="utf-8"?>
@@ -6385,7 +6293,7 @@
           <p:cNvPr id="2" name="Title 1">
             <a:extLst>
               <a:ext uri="{FF2B5EF4-FFF2-40B4-BE49-F238E27FC236}">
-                <a16:creationId xmlns:a16="http://schemas.microsoft.com/office/drawing/2014/main" id="{130EE665-5CC5-4C56-BA3A-CEA5E5F5587D}"/>
+                <a16:creationId xmlns:a16="http://schemas.microsoft.com/office/drawing/2014/main" id="{251A3675-2F83-4B26-AA1F-66883A842D51}"/>
               </a:ext>
             </a:extLst>
           </p:cNvPr>
@@ -6402,9 +6310,10 @@
           <a:lstStyle/>
           <a:p>
             <a:r>
-              <a:rPr lang="en-US" dirty="0"/>
-              <a:t>Why Minecraft?</a:t>
-            </a:r>
+              <a:rPr lang="en-US"/>
+              <a:t>Minecraft Testing</a:t>
+            </a:r>
+            <a:endParaRPr lang="en-US" dirty="0"/>
           </a:p>
         </p:txBody>
       </p:sp>
@@ -6413,7 +6322,7 @@
           <p:cNvPr id="3" name="Content Placeholder 2">
             <a:extLst>
               <a:ext uri="{FF2B5EF4-FFF2-40B4-BE49-F238E27FC236}">
-                <a16:creationId xmlns:a16="http://schemas.microsoft.com/office/drawing/2014/main" id="{A7C98525-9CAF-4542-85EF-2BFAC14EA70E}"/>
+                <a16:creationId xmlns:a16="http://schemas.microsoft.com/office/drawing/2014/main" id="{9EBE7CF1-88CF-416C-A070-8BDAA1AE570A}"/>
               </a:ext>
             </a:extLst>
           </p:cNvPr>
@@ -6424,72 +6333,116 @@
             <p:ph idx="1"/>
           </p:nvPr>
         </p:nvSpPr>
-        <p:spPr/>
+        <p:spPr>
+          <a:xfrm>
+            <a:off x="677333" y="2160589"/>
+            <a:ext cx="9009591" cy="3880773"/>
+          </a:xfrm>
+        </p:spPr>
         <p:txBody>
           <a:bodyPr/>
           <a:lstStyle/>
           <a:p>
             <a:r>
+              <a:rPr lang="en-US" i="1" dirty="0"/>
+              <a:t>A general, common day to day use case.</a:t>
+            </a:r>
+          </a:p>
+          <a:p>
+            <a:endParaRPr lang="en-US" i="1" dirty="0"/>
+          </a:p>
+          <a:p>
+            <a:r>
+              <a:rPr lang="en-US" b="1" dirty="0"/>
+              <a:t>Metrics: </a:t>
+            </a:r>
+            <a:r>
               <a:rPr lang="en-US" dirty="0"/>
-              <a:t>Its well known that compared to games on the market. Minecraft is highly CPU intensive(Java version). </a:t>
-            </a:r>
-          </a:p>
-          <a:p>
-            <a:pPr lvl="1"/>
+              <a:t>CPU temperatures, memory percentages, FPS.</a:t>
+            </a:r>
+          </a:p>
+          <a:p>
+            <a:endParaRPr lang="en-US" dirty="0"/>
+          </a:p>
+          <a:p>
+            <a:r>
+              <a:rPr lang="en-US" b="1" dirty="0"/>
+              <a:t>Metric Recording Software:</a:t>
+            </a:r>
             <a:r>
               <a:rPr lang="en-US" dirty="0"/>
-              <a:t>Due to needing to load up all the chucks (</a:t>
-            </a:r>
-            <a:r>
-              <a:rPr lang="en-US" b="0" i="0" dirty="0">
-                <a:solidFill>
-                  <a:srgbClr val="3A3A3A"/>
-                </a:solidFill>
-                <a:effectLst/>
-                <a:latin typeface="rubik"/>
-              </a:rPr>
-              <a:t>a 384-block tall 16×16 segment of a </a:t>
-            </a:r>
-            <a:r>
-              <a:rPr lang="en-US" dirty="0">
-                <a:latin typeface="rubik"/>
-              </a:rPr>
-              <a:t>world) and then store those chucks once you are out of render distance. </a:t>
-            </a:r>
-          </a:p>
-          <a:p>
-            <a:pPr lvl="1"/>
-            <a:r>
-              <a:rPr lang="en-US" dirty="0">
-                <a:latin typeface="rubik"/>
-              </a:rPr>
-              <a:t>It is literary just blocks.</a:t>
-            </a:r>
-          </a:p>
-          <a:p>
-            <a:pPr lvl="1"/>
-            <a:r>
-              <a:rPr lang="en-US" dirty="0">
-                <a:latin typeface="rubik"/>
-              </a:rPr>
-              <a:t>A lack of poor optimization could have led this more reliance on the CPU.  </a:t>
-            </a:r>
-          </a:p>
-          <a:p>
-            <a:pPr lvl="1"/>
-            <a:r>
-              <a:rPr lang="en-US" dirty="0">
-                <a:latin typeface="rubik"/>
-              </a:rPr>
-              <a:t>Java. </a:t>
-            </a:r>
-          </a:p>
-        </p:txBody>
-      </p:sp>
+              <a:t> Stat’s Application &amp; Minecraft’s </a:t>
+            </a:r>
+            <a:r>
+              <a:rPr lang="en-US" i="1" dirty="0"/>
+              <a:t>F3 </a:t>
+            </a:r>
+            <a:r>
+              <a:rPr lang="en-US" dirty="0"/>
+              <a:t>debug screen</a:t>
+            </a:r>
+          </a:p>
+          <a:p>
+            <a:endParaRPr lang="en-US" b="1" dirty="0"/>
+          </a:p>
+          <a:p>
+            <a:r>
+              <a:rPr lang="en-US" b="1" dirty="0"/>
+              <a:t>Testing Factors: </a:t>
+            </a:r>
+            <a:r>
+              <a:rPr lang="en-US" dirty="0"/>
+              <a:t>Having minimal background applications open, identical render distance settings, world seed, graphical settings, location.</a:t>
+            </a:r>
+          </a:p>
+          <a:p>
+            <a:endParaRPr lang="en-US" dirty="0"/>
+          </a:p>
+          <a:p>
+            <a:endParaRPr lang="en-US" b="1" dirty="0"/>
+          </a:p>
+        </p:txBody>
+      </p:sp>
+      <p:pic>
+        <p:nvPicPr>
+          <p:cNvPr id="5" name="Picture 4" descr="A picture containing text, indoor, tiled, vector graphics&#10;&#10;Description automatically generated">
+            <a:extLst>
+              <a:ext uri="{FF2B5EF4-FFF2-40B4-BE49-F238E27FC236}">
+                <a16:creationId xmlns:a16="http://schemas.microsoft.com/office/drawing/2014/main" id="{F2F741E6-B5F7-4E97-9D7F-4E643D9AADAF}"/>
+              </a:ext>
+            </a:extLst>
+          </p:cNvPr>
+          <p:cNvPicPr>
+            <a:picLocks noChangeAspect="1"/>
+          </p:cNvPicPr>
+          <p:nvPr/>
+        </p:nvPicPr>
+        <p:blipFill>
+          <a:blip r:embed="rId2">
+            <a:extLst>
+              <a:ext uri="{28A0092B-C50C-407E-A947-70E740481C1C}">
+                <a14:useLocalDpi xmlns:a14="http://schemas.microsoft.com/office/drawing/2010/main" val="0"/>
+              </a:ext>
+            </a:extLst>
+          </a:blip>
+          <a:stretch>
+            <a:fillRect/>
+          </a:stretch>
+        </p:blipFill>
+        <p:spPr>
+          <a:xfrm>
+            <a:off x="9274002" y="123825"/>
+            <a:ext cx="2781640" cy="2781640"/>
+          </a:xfrm>
+          <a:prstGeom prst="rect">
+            <a:avLst/>
+          </a:prstGeom>
+        </p:spPr>
+      </p:pic>
     </p:spTree>
     <p:extLst>
       <p:ext uri="{BB962C8B-B14F-4D97-AF65-F5344CB8AC3E}">
-        <p14:creationId xmlns:p14="http://schemas.microsoft.com/office/powerpoint/2010/main" val="3008574344"/>
+        <p14:creationId xmlns:p14="http://schemas.microsoft.com/office/powerpoint/2010/main" val="2352377126"/>
       </p:ext>
     </p:extLst>
   </p:cSld>
@@ -6500,6 +6453,134 @@
 </file>
 
 <file path=ppt/slides/slide11.xml><?xml version="1.0" encoding="utf-8"?>
+<p:sld xmlns:a="http://schemas.openxmlformats.org/drawingml/2006/main" xmlns:r="http://schemas.openxmlformats.org/officeDocument/2006/relationships" xmlns:p="http://schemas.openxmlformats.org/presentationml/2006/main">
+  <p:cSld>
+    <p:spTree>
+      <p:nvGrpSpPr>
+        <p:cNvPr id="1" name=""/>
+        <p:cNvGrpSpPr/>
+        <p:nvPr/>
+      </p:nvGrpSpPr>
+      <p:grpSpPr>
+        <a:xfrm>
+          <a:off x="0" y="0"/>
+          <a:ext cx="0" cy="0"/>
+          <a:chOff x="0" y="0"/>
+          <a:chExt cx="0" cy="0"/>
+        </a:xfrm>
+      </p:grpSpPr>
+      <p:sp>
+        <p:nvSpPr>
+          <p:cNvPr id="2" name="Title 1">
+            <a:extLst>
+              <a:ext uri="{FF2B5EF4-FFF2-40B4-BE49-F238E27FC236}">
+                <a16:creationId xmlns:a16="http://schemas.microsoft.com/office/drawing/2014/main" id="{B020A7E3-8C49-49CC-8043-21BC55022BA2}"/>
+              </a:ext>
+            </a:extLst>
+          </p:cNvPr>
+          <p:cNvSpPr>
+            <a:spLocks noGrp="1"/>
+          </p:cNvSpPr>
+          <p:nvPr>
+            <p:ph type="title"/>
+          </p:nvPr>
+        </p:nvSpPr>
+        <p:spPr/>
+        <p:txBody>
+          <a:bodyPr/>
+          <a:lstStyle/>
+          <a:p>
+            <a:r>
+              <a:rPr lang="en-US" dirty="0"/>
+              <a:t>Minecraft Data thus far</a:t>
+            </a:r>
+          </a:p>
+        </p:txBody>
+      </p:sp>
+      <p:pic>
+        <p:nvPicPr>
+          <p:cNvPr id="5" name="Content Placeholder 4" descr="Graphical user interface, application&#10;&#10;Description automatically generated">
+            <a:extLst>
+              <a:ext uri="{FF2B5EF4-FFF2-40B4-BE49-F238E27FC236}">
+                <a16:creationId xmlns:a16="http://schemas.microsoft.com/office/drawing/2014/main" id="{D2D90EEC-0352-4DE0-9665-09CCEDA22EBF}"/>
+              </a:ext>
+            </a:extLst>
+          </p:cNvPr>
+          <p:cNvPicPr>
+            <a:picLocks noGrp="1" noChangeAspect="1"/>
+          </p:cNvPicPr>
+          <p:nvPr>
+            <p:ph idx="1"/>
+          </p:nvPr>
+        </p:nvPicPr>
+        <p:blipFill>
+          <a:blip r:embed="rId2">
+            <a:extLst>
+              <a:ext uri="{28A0092B-C50C-407E-A947-70E740481C1C}">
+                <a14:useLocalDpi xmlns:a14="http://schemas.microsoft.com/office/drawing/2010/main" val="0"/>
+              </a:ext>
+            </a:extLst>
+          </a:blip>
+          <a:stretch>
+            <a:fillRect/>
+          </a:stretch>
+        </p:blipFill>
+        <p:spPr>
+          <a:xfrm>
+            <a:off x="0" y="1655869"/>
+            <a:ext cx="5691005" cy="5202131"/>
+          </a:xfrm>
+        </p:spPr>
+      </p:pic>
+      <p:sp>
+        <p:nvSpPr>
+          <p:cNvPr id="6" name="TextBox 5">
+            <a:extLst>
+              <a:ext uri="{FF2B5EF4-FFF2-40B4-BE49-F238E27FC236}">
+                <a16:creationId xmlns:a16="http://schemas.microsoft.com/office/drawing/2014/main" id="{22858BF5-ADD9-47D1-A052-44DD7A7DF353}"/>
+              </a:ext>
+            </a:extLst>
+          </p:cNvPr>
+          <p:cNvSpPr txBox="1"/>
+          <p:nvPr/>
+        </p:nvSpPr>
+        <p:spPr>
+          <a:xfrm>
+            <a:off x="5686179" y="2105025"/>
+            <a:ext cx="3592650" cy="369332"/>
+          </a:xfrm>
+          <a:prstGeom prst="rect">
+            <a:avLst/>
+          </a:prstGeom>
+          <a:noFill/>
+        </p:spPr>
+        <p:txBody>
+          <a:bodyPr wrap="none" rtlCol="0">
+            <a:spAutoFit/>
+          </a:bodyPr>
+          <a:lstStyle/>
+          <a:p>
+            <a:r>
+              <a:rPr lang="en-US" dirty="0"/>
+              <a:t>Lots of data to still be collected!</a:t>
+            </a:r>
+          </a:p>
+        </p:txBody>
+      </p:sp>
+    </p:spTree>
+    <p:extLst>
+      <p:ext uri="{BB962C8B-B14F-4D97-AF65-F5344CB8AC3E}">
+        <p14:creationId xmlns:p14="http://schemas.microsoft.com/office/powerpoint/2010/main" val="1593514152"/>
+      </p:ext>
+    </p:extLst>
+  </p:cSld>
+  <p:clrMapOvr>
+    <a:masterClrMapping/>
+  </p:clrMapOvr>
+</p:sld>
+</file>
+
+<file path=ppt/slides/slide12.xml><?xml version="1.0" encoding="utf-8"?>
 <p:sld xmlns:a="http://schemas.openxmlformats.org/drawingml/2006/main" xmlns:r="http://schemas.openxmlformats.org/officeDocument/2006/relationships" xmlns:p="http://schemas.openxmlformats.org/presentationml/2006/main">
   <p:cSld>
     <p:spTree>
@@ -6668,7 +6749,7 @@
               <a:buChar char="q"/>
             </a:pPr>
             <a:r>
-              <a:rPr lang="en-US" dirty="0"/>
+              <a:rPr lang="en-US" b="1" u="sng" dirty="0"/>
               <a:t>The primary objective of this project is to assess performance gains year-to-year based off MSRP</a:t>
             </a:r>
           </a:p>
@@ -6678,8 +6759,39 @@
               <a:buChar char="q"/>
             </a:pPr>
             <a:r>
+              <a:rPr lang="en-US" b="1" dirty="0"/>
+              <a:t>Intel(x86) – ARM switch</a:t>
+            </a:r>
+            <a:endParaRPr lang="en-US" b="1" u="sng" dirty="0"/>
+          </a:p>
+          <a:p>
+            <a:pPr>
+              <a:buFont typeface="Wingdings" panose="05000000000000000000" pitchFamily="2" charset="2"/>
+              <a:buChar char="q"/>
+            </a:pPr>
+            <a:r>
               <a:rPr lang="en-US" dirty="0"/>
-              <a:t>Intel(x86) – ARM switch</a:t>
+              <a:t>Find the speed up between all three laptops when running benchmark tests</a:t>
+            </a:r>
+          </a:p>
+          <a:p>
+            <a:pPr>
+              <a:buFont typeface="Wingdings" panose="05000000000000000000" pitchFamily="2" charset="2"/>
+              <a:buChar char="q"/>
+            </a:pPr>
+            <a:r>
+              <a:rPr lang="en-US" dirty="0"/>
+              <a:t>Compare various CPU metrics when running Minecraft</a:t>
+            </a:r>
+          </a:p>
+          <a:p>
+            <a:pPr>
+              <a:buFont typeface="Wingdings" panose="05000000000000000000" pitchFamily="2" charset="2"/>
+              <a:buChar char="q"/>
+            </a:pPr>
+            <a:r>
+              <a:rPr lang="en-US" dirty="0"/>
+              <a:t>Is price worth it for the three given laptops?</a:t>
             </a:r>
           </a:p>
           <a:p>
@@ -6743,9 +6855,10 @@
           <a:lstStyle/>
           <a:p>
             <a:r>
-              <a:rPr lang="en-US" dirty="0"/>
+              <a:rPr lang="en-US"/>
               <a:t>Expectations</a:t>
             </a:r>
+            <a:endParaRPr lang="en-US" dirty="0"/>
           </a:p>
         </p:txBody>
       </p:sp>
@@ -6765,7 +6878,12 @@
             <p:ph idx="1"/>
           </p:nvPr>
         </p:nvSpPr>
-        <p:spPr/>
+        <p:spPr>
+          <a:xfrm>
+            <a:off x="677334" y="2160590"/>
+            <a:ext cx="8596668" cy="2039936"/>
+          </a:xfrm>
+        </p:spPr>
         <p:txBody>
           <a:bodyPr/>
           <a:lstStyle/>
@@ -6775,12 +6893,8 @@
               <a:buChar char="q"/>
             </a:pPr>
             <a:r>
-              <a:rPr lang="en-US" dirty="0" err="1"/>
-              <a:t>Macbooks</a:t>
-            </a:r>
-            <a:r>
               <a:rPr lang="en-US" dirty="0"/>
-              <a:t> with ARM perform better than the Intel variant</a:t>
+              <a:t>MacBook with ARM perform better than the Intel variant</a:t>
             </a:r>
           </a:p>
           <a:p>
@@ -6812,6 +6926,100 @@
           </a:p>
         </p:txBody>
       </p:sp>
+      <p:pic>
+        <p:nvPicPr>
+          <p:cNvPr id="1030" name="Picture 6" descr="The History of Intel">
+            <a:extLst>
+              <a:ext uri="{FF2B5EF4-FFF2-40B4-BE49-F238E27FC236}">
+                <a16:creationId xmlns:a16="http://schemas.microsoft.com/office/drawing/2014/main" id="{D1E28EA4-A840-458B-A5E9-A86C0195AE92}"/>
+              </a:ext>
+            </a:extLst>
+          </p:cNvPr>
+          <p:cNvPicPr>
+            <a:picLocks noChangeAspect="1" noChangeArrowheads="1"/>
+          </p:cNvPicPr>
+          <p:nvPr/>
+        </p:nvPicPr>
+        <p:blipFill>
+          <a:blip r:embed="rId2">
+            <a:extLst>
+              <a:ext uri="{28A0092B-C50C-407E-A947-70E740481C1C}">
+                <a14:useLocalDpi xmlns:a14="http://schemas.microsoft.com/office/drawing/2010/main" val="0"/>
+              </a:ext>
+            </a:extLst>
+          </a:blip>
+          <a:srcRect/>
+          <a:stretch>
+            <a:fillRect/>
+          </a:stretch>
+        </p:blipFill>
+        <p:spPr bwMode="auto">
+          <a:xfrm>
+            <a:off x="1023938" y="4792666"/>
+            <a:ext cx="2740401" cy="1817684"/>
+          </a:xfrm>
+          <a:prstGeom prst="rect">
+            <a:avLst/>
+          </a:prstGeom>
+          <a:noFill/>
+          <a:extLst>
+            <a:ext uri="{909E8E84-426E-40DD-AFC4-6F175D3DCCD1}">
+              <a14:hiddenFill xmlns:a14="http://schemas.microsoft.com/office/drawing/2010/main">
+                <a:solidFill>
+                  <a:srgbClr val="FFFFFF"/>
+                </a:solidFill>
+              </a14:hiddenFill>
+            </a:ext>
+          </a:extLst>
+        </p:spPr>
+      </p:pic>
+      <p:pic>
+        <p:nvPicPr>
+          <p:cNvPr id="1034" name="Picture 10" descr="Corporate Logo Guidelines – Arm®">
+            <a:extLst>
+              <a:ext uri="{FF2B5EF4-FFF2-40B4-BE49-F238E27FC236}">
+                <a16:creationId xmlns:a16="http://schemas.microsoft.com/office/drawing/2014/main" id="{0E9571BC-D9C5-4789-B219-0F0F5848E641}"/>
+              </a:ext>
+            </a:extLst>
+          </p:cNvPr>
+          <p:cNvPicPr>
+            <a:picLocks noChangeAspect="1" noChangeArrowheads="1"/>
+          </p:cNvPicPr>
+          <p:nvPr/>
+        </p:nvPicPr>
+        <p:blipFill>
+          <a:blip r:embed="rId3">
+            <a:extLst>
+              <a:ext uri="{28A0092B-C50C-407E-A947-70E740481C1C}">
+                <a14:useLocalDpi xmlns:a14="http://schemas.microsoft.com/office/drawing/2010/main" val="0"/>
+              </a:ext>
+            </a:extLst>
+          </a:blip>
+          <a:srcRect/>
+          <a:stretch>
+            <a:fillRect/>
+          </a:stretch>
+        </p:blipFill>
+        <p:spPr bwMode="auto">
+          <a:xfrm>
+            <a:off x="4419600" y="5200650"/>
+            <a:ext cx="3867150" cy="1181100"/>
+          </a:xfrm>
+          <a:prstGeom prst="rect">
+            <a:avLst/>
+          </a:prstGeom>
+          <a:noFill/>
+          <a:extLst>
+            <a:ext uri="{909E8E84-426E-40DD-AFC4-6F175D3DCCD1}">
+              <a14:hiddenFill xmlns:a14="http://schemas.microsoft.com/office/drawing/2010/main">
+                <a:solidFill>
+                  <a:srgbClr val="FFFFFF"/>
+                </a:solidFill>
+              </a14:hiddenFill>
+            </a:ext>
+          </a:extLst>
+        </p:spPr>
+      </p:pic>
     </p:spTree>
     <p:extLst>
       <p:ext uri="{BB962C8B-B14F-4D97-AF65-F5344CB8AC3E}">
@@ -7415,10 +7623,9 @@
           <a:lstStyle/>
           <a:p>
             <a:r>
-              <a:rPr lang="en-US"/>
+              <a:rPr lang="en-US" dirty="0"/>
               <a:t>Performance Benchmarks</a:t>
             </a:r>
-            <a:endParaRPr lang="en-US" dirty="0"/>
           </a:p>
         </p:txBody>
       </p:sp>
@@ -7438,25 +7645,129 @@
             <p:ph idx="1"/>
           </p:nvPr>
         </p:nvSpPr>
-        <p:spPr/>
-        <p:txBody>
-          <a:bodyPr/>
-          <a:lstStyle/>
-          <a:p>
+        <p:spPr>
+          <a:xfrm>
+            <a:off x="677333" y="2160589"/>
+            <a:ext cx="9301167" cy="3880773"/>
+          </a:xfrm>
+          <a:effectLst>
+            <a:glow rad="63500">
+              <a:schemeClr val="accent5">
+                <a:satMod val="175000"/>
+                <a:alpha val="40000"/>
+              </a:schemeClr>
+            </a:glow>
+          </a:effectLst>
+        </p:spPr>
+        <p:txBody>
+          <a:bodyPr>
+            <a:normAutofit fontScale="85000" lnSpcReduction="20000"/>
+          </a:bodyPr>
+          <a:lstStyle/>
+          <a:p>
+            <a:r>
+              <a:rPr lang="en-US" sz="2200" dirty="0"/>
+              <a:t>Three benchmarks: Scale.c / Quicksort.cpp / Ranksort.c</a:t>
+            </a:r>
+          </a:p>
+          <a:p>
+            <a:endParaRPr lang="en-US" sz="2200" dirty="0"/>
+          </a:p>
+          <a:p>
+            <a:r>
+              <a:rPr lang="en-US" sz="2200" dirty="0"/>
+              <a:t>Scale.c: Accepts </a:t>
+            </a:r>
+            <a:r>
+              <a:rPr lang="en-US" sz="2200" b="1" dirty="0"/>
+              <a:t>n</a:t>
+            </a:r>
+            <a:r>
+              <a:rPr lang="en-US" sz="2200" dirty="0"/>
+              <a:t> data count and </a:t>
+            </a:r>
+            <a:r>
+              <a:rPr lang="en-US" sz="2200" b="1" dirty="0"/>
+              <a:t>m</a:t>
+            </a:r>
+            <a:r>
+              <a:rPr lang="en-US" sz="2200" dirty="0"/>
+              <a:t> threads and an input file. Scales all the data items by 17.</a:t>
+            </a:r>
+          </a:p>
+          <a:p>
+            <a:endParaRPr lang="en-US" sz="2200" dirty="0"/>
+          </a:p>
+          <a:p>
+            <a:r>
+              <a:rPr lang="en-US" sz="2200" dirty="0"/>
+              <a:t>Quicksort.cpp: Accepts </a:t>
+            </a:r>
+            <a:r>
+              <a:rPr lang="en-US" sz="2200" b="1" dirty="0"/>
+              <a:t>n</a:t>
+            </a:r>
+            <a:r>
+              <a:rPr lang="en-US" sz="2200" dirty="0"/>
+              <a:t> data count and </a:t>
+            </a:r>
+            <a:r>
+              <a:rPr lang="en-US" sz="2200" b="1" dirty="0"/>
+              <a:t>m</a:t>
+            </a:r>
+            <a:r>
+              <a:rPr lang="en-US" sz="2200" dirty="0"/>
+              <a:t> threads. Randomly populates an array[</a:t>
+            </a:r>
+            <a:r>
+              <a:rPr lang="en-US" sz="2200" b="1" dirty="0"/>
+              <a:t>n</a:t>
+            </a:r>
+            <a:r>
+              <a:rPr lang="en-US" sz="2200" dirty="0"/>
+              <a:t>] and uses quicksort algorithm to sort the array.</a:t>
+            </a:r>
+          </a:p>
+          <a:p>
+            <a:endParaRPr lang="en-US" sz="2200" dirty="0"/>
+          </a:p>
+          <a:p>
+            <a:r>
+              <a:rPr lang="en-US" sz="2200" dirty="0"/>
+              <a:t>Ranksort.c: Accepts </a:t>
+            </a:r>
+            <a:r>
+              <a:rPr lang="en-US" sz="2200" b="1" dirty="0"/>
+              <a:t>n</a:t>
+            </a:r>
+            <a:r>
+              <a:rPr lang="en-US" sz="2200" dirty="0"/>
+              <a:t> data count and </a:t>
+            </a:r>
+            <a:r>
+              <a:rPr lang="en-US" sz="2200" b="1" dirty="0"/>
+              <a:t>m</a:t>
+            </a:r>
+            <a:r>
+              <a:rPr lang="en-US" sz="2200" dirty="0"/>
+              <a:t> threads. Randomly populates an array[</a:t>
+            </a:r>
+            <a:r>
+              <a:rPr lang="en-US" sz="2200" b="1" dirty="0"/>
+              <a:t>n</a:t>
+            </a:r>
+            <a:r>
+              <a:rPr lang="en-US" sz="2200" dirty="0"/>
+              <a:t>] and uses rank sort algorithm to sort the array.</a:t>
+            </a:r>
+          </a:p>
+          <a:p>
+            <a:pPr marL="0" indent="0">
+              <a:buNone/>
+            </a:pPr>
             <a:r>
               <a:rPr lang="en-US" dirty="0"/>
-              <a:t>Scale.c, Quicksort.cpp, </a:t>
-            </a:r>
-            <a:r>
-              <a:rPr lang="en-US" dirty="0" err="1"/>
-              <a:t>Ranksort.c</a:t>
-            </a:r>
-            <a:endParaRPr lang="en-US" dirty="0"/>
-          </a:p>
-          <a:p>
-            <a:r>
-              <a:rPr lang="en-US" dirty="0"/>
-              <a:t>Constant data count – increased threads </a:t>
+              <a:t>		</a:t>
             </a:r>
           </a:p>
           <a:p>
@@ -7464,30 +7775,9 @@
               <a:buNone/>
             </a:pPr>
             <a:r>
-              <a:rPr lang="en-US" dirty="0"/>
-              <a:t>		(Measures parallelism in multi-thread performance)</a:t>
-            </a:r>
-          </a:p>
-          <a:p>
-            <a:r>
-              <a:rPr lang="en-US" dirty="0"/>
-              <a:t>Constant one thread– increased data count </a:t>
-            </a:r>
-          </a:p>
-          <a:p>
-            <a:pPr marL="0" indent="0">
-              <a:buNone/>
-            </a:pPr>
-            <a:r>
-              <a:rPr lang="en-US" dirty="0"/>
-              <a:t>		(Measures the power/speed of one thread) </a:t>
-            </a:r>
-            <a:r>
-              <a:rPr lang="en-US" i="1" dirty="0"/>
-              <a:t>Thread efficiency</a:t>
-            </a:r>
-          </a:p>
-          <a:p>
+              <a:rPr lang="en-US" b="1" dirty="0"/>
+              <a:t>	</a:t>
+            </a:r>
             <a:endParaRPr lang="en-US" dirty="0"/>
           </a:p>
           <a:p>
@@ -7509,6 +7799,176 @@
 </file>
 
 <file path=ppt/slides/slide6.xml><?xml version="1.0" encoding="utf-8"?>
+<p:sld xmlns:a="http://schemas.openxmlformats.org/drawingml/2006/main" xmlns:r="http://schemas.openxmlformats.org/officeDocument/2006/relationships" xmlns:p="http://schemas.openxmlformats.org/presentationml/2006/main">
+  <p:cSld>
+    <p:spTree>
+      <p:nvGrpSpPr>
+        <p:cNvPr id="1" name=""/>
+        <p:cNvGrpSpPr/>
+        <p:nvPr/>
+      </p:nvGrpSpPr>
+      <p:grpSpPr>
+        <a:xfrm>
+          <a:off x="0" y="0"/>
+          <a:ext cx="0" cy="0"/>
+          <a:chOff x="0" y="0"/>
+          <a:chExt cx="0" cy="0"/>
+        </a:xfrm>
+      </p:grpSpPr>
+      <p:sp>
+        <p:nvSpPr>
+          <p:cNvPr id="2" name="Title 1">
+            <a:extLst>
+              <a:ext uri="{FF2B5EF4-FFF2-40B4-BE49-F238E27FC236}">
+                <a16:creationId xmlns:a16="http://schemas.microsoft.com/office/drawing/2014/main" id="{0EDB5248-8E80-4F49-ADA9-08BF8D7DE4D8}"/>
+              </a:ext>
+            </a:extLst>
+          </p:cNvPr>
+          <p:cNvSpPr>
+            <a:spLocks noGrp="1"/>
+          </p:cNvSpPr>
+          <p:nvPr>
+            <p:ph type="title"/>
+          </p:nvPr>
+        </p:nvSpPr>
+        <p:spPr/>
+        <p:txBody>
+          <a:bodyPr/>
+          <a:lstStyle/>
+          <a:p>
+            <a:r>
+              <a:rPr lang="en-US" dirty="0"/>
+              <a:t>Benchmark Testing Scheme</a:t>
+            </a:r>
+          </a:p>
+        </p:txBody>
+      </p:sp>
+      <p:sp>
+        <p:nvSpPr>
+          <p:cNvPr id="3" name="Content Placeholder 2">
+            <a:extLst>
+              <a:ext uri="{FF2B5EF4-FFF2-40B4-BE49-F238E27FC236}">
+                <a16:creationId xmlns:a16="http://schemas.microsoft.com/office/drawing/2014/main" id="{E5FA2C57-5EC4-4D3A-A764-9DEC7D735C01}"/>
+              </a:ext>
+            </a:extLst>
+          </p:cNvPr>
+          <p:cNvSpPr>
+            <a:spLocks noGrp="1"/>
+          </p:cNvSpPr>
+          <p:nvPr>
+            <p:ph idx="1"/>
+          </p:nvPr>
+        </p:nvSpPr>
+        <p:spPr/>
+        <p:txBody>
+          <a:bodyPr/>
+          <a:lstStyle/>
+          <a:p>
+            <a:pPr marL="0" indent="0">
+              <a:buNone/>
+            </a:pPr>
+            <a:r>
+              <a:rPr lang="en-US" b="1" u="sng" dirty="0"/>
+              <a:t>Two Primary Test Formats:</a:t>
+            </a:r>
+          </a:p>
+          <a:p>
+            <a:r>
+              <a:rPr lang="en-US" dirty="0"/>
+              <a:t>Constant data count – increased threads </a:t>
+            </a:r>
+          </a:p>
+          <a:p>
+            <a:pPr marL="0" indent="0">
+              <a:buNone/>
+            </a:pPr>
+            <a:r>
+              <a:rPr lang="en-US" dirty="0"/>
+              <a:t>	(Measures parallelism in multi-thread performance)</a:t>
+            </a:r>
+          </a:p>
+          <a:p>
+            <a:r>
+              <a:rPr lang="en-US" dirty="0"/>
+              <a:t>Constant single thread – increased data count </a:t>
+            </a:r>
+          </a:p>
+          <a:p>
+            <a:pPr marL="0" indent="0">
+              <a:buNone/>
+            </a:pPr>
+            <a:r>
+              <a:rPr lang="en-US" dirty="0"/>
+              <a:t>	(Measures the power/speed of one thread) </a:t>
+            </a:r>
+            <a:r>
+              <a:rPr lang="en-US" i="1" dirty="0"/>
+              <a:t>Thread efficiency</a:t>
+            </a:r>
+          </a:p>
+          <a:p>
+            <a:pPr marL="0" indent="0">
+              <a:buNone/>
+            </a:pPr>
+            <a:endParaRPr lang="en-US" i="1" dirty="0"/>
+          </a:p>
+          <a:p>
+            <a:pPr marL="0" indent="0">
+              <a:buNone/>
+            </a:pPr>
+            <a:r>
+              <a:rPr lang="en-US" b="1" dirty="0"/>
+              <a:t>Test #1: </a:t>
+            </a:r>
+            <a:r>
+              <a:rPr lang="en-US" dirty="0"/>
+              <a:t>Data Count = 1000. Thread Counts: 1, 2, 4, 8, 16, 32, 64, 128, 256</a:t>
+            </a:r>
+          </a:p>
+          <a:p>
+            <a:pPr marL="0" indent="0">
+              <a:buNone/>
+            </a:pPr>
+            <a:r>
+              <a:rPr lang="en-US" b="1" dirty="0"/>
+              <a:t>Test #2: </a:t>
+            </a:r>
+            <a:r>
+              <a:rPr lang="en-US" dirty="0"/>
+              <a:t>Single Thread. Data Counts: 10, 25, 50, 100, 250, 500, 100</a:t>
+            </a:r>
+          </a:p>
+          <a:p>
+            <a:pPr marL="0" indent="0">
+              <a:buNone/>
+            </a:pPr>
+            <a:endParaRPr lang="en-US" b="1" dirty="0"/>
+          </a:p>
+          <a:p>
+            <a:pPr marL="0" indent="0">
+              <a:buNone/>
+            </a:pPr>
+            <a:endParaRPr lang="en-US" i="1" dirty="0"/>
+          </a:p>
+          <a:p>
+            <a:endParaRPr lang="en-US" dirty="0"/>
+          </a:p>
+        </p:txBody>
+      </p:sp>
+    </p:spTree>
+    <p:extLst>
+      <p:ext uri="{BB962C8B-B14F-4D97-AF65-F5344CB8AC3E}">
+        <p14:creationId xmlns:p14="http://schemas.microsoft.com/office/powerpoint/2010/main" val="2766697605"/>
+      </p:ext>
+    </p:extLst>
+  </p:cSld>
+  <p:clrMapOvr>
+    <a:masterClrMapping/>
+  </p:clrMapOvr>
+</p:sld>
+</file>
+
+<file path=ppt/slides/slide7.xml><?xml version="1.0" encoding="utf-8"?>
 <p:sld xmlns:a="http://schemas.openxmlformats.org/drawingml/2006/main" xmlns:r="http://schemas.openxmlformats.org/officeDocument/2006/relationships" xmlns:p="http://schemas.openxmlformats.org/presentationml/2006/main">
   <p:cSld>
     <p:spTree>
@@ -7640,7 +8100,7 @@
         <p:spPr>
           <a:xfrm>
             <a:off x="677334" y="1270000"/>
-            <a:ext cx="1292087" cy="276999"/>
+            <a:ext cx="1572611" cy="307777"/>
           </a:xfrm>
           <a:prstGeom prst="rect">
             <a:avLst/>
@@ -7654,7 +8114,7 @@
           <a:lstStyle/>
           <a:p>
             <a:r>
-              <a:rPr lang="en-US" sz="1200" dirty="0">
+              <a:rPr lang="en-US" sz="1400" dirty="0">
                 <a:solidFill>
                   <a:schemeClr val="accent1"/>
                 </a:solidFill>
@@ -7677,7 +8137,7 @@
 </p:sld>
 </file>
 
-<file path=ppt/slides/slide7.xml><?xml version="1.0" encoding="utf-8"?>
+<file path=ppt/slides/slide8.xml><?xml version="1.0" encoding="utf-8"?>
 <p:sld xmlns:a="http://schemas.openxmlformats.org/drawingml/2006/main" xmlns:r="http://schemas.openxmlformats.org/officeDocument/2006/relationships" xmlns:p="http://schemas.openxmlformats.org/presentationml/2006/main">
   <p:cSld>
     <p:spTree>
@@ -7809,7 +8269,7 @@
         <p:spPr>
           <a:xfrm>
             <a:off x="677334" y="1270000"/>
-            <a:ext cx="1292087" cy="276999"/>
+            <a:ext cx="1639738" cy="307777"/>
           </a:xfrm>
           <a:prstGeom prst="rect">
             <a:avLst/>
@@ -7823,7 +8283,7 @@
           <a:lstStyle/>
           <a:p>
             <a:r>
-              <a:rPr lang="en-US" sz="1200" dirty="0">
+              <a:rPr lang="en-US" sz="1400" dirty="0">
                 <a:solidFill>
                   <a:schemeClr val="accent1"/>
                 </a:solidFill>
@@ -7846,7 +8306,7 @@
 </p:sld>
 </file>
 
-<file path=ppt/slides/slide8.xml><?xml version="1.0" encoding="utf-8"?>
+<file path=ppt/slides/slide9.xml><?xml version="1.0" encoding="utf-8"?>
 <p:sld xmlns:a="http://schemas.openxmlformats.org/drawingml/2006/main" xmlns:r="http://schemas.openxmlformats.org/officeDocument/2006/relationships" xmlns:p="http://schemas.openxmlformats.org/presentationml/2006/main">
   <p:cSld>
     <p:spTree>
@@ -7919,122 +8379,88 @@
         </p:blipFill>
         <p:spPr>
           <a:xfrm>
-            <a:off x="785653" y="1805365"/>
-            <a:ext cx="6781473" cy="4443035"/>
+            <a:off x="295595" y="1554140"/>
+            <a:ext cx="7596654" cy="4977119"/>
           </a:xfrm>
           <a:prstGeom prst="rect">
             <a:avLst/>
           </a:prstGeom>
         </p:spPr>
       </p:pic>
+      <p:sp>
+        <p:nvSpPr>
+          <p:cNvPr id="3" name="TextBox 2">
+            <a:extLst>
+              <a:ext uri="{FF2B5EF4-FFF2-40B4-BE49-F238E27FC236}">
+                <a16:creationId xmlns:a16="http://schemas.microsoft.com/office/drawing/2014/main" id="{FA1A959A-3710-4D35-A7E3-6240647501AF}"/>
+              </a:ext>
+            </a:extLst>
+          </p:cNvPr>
+          <p:cNvSpPr txBox="1"/>
+          <p:nvPr/>
+        </p:nvSpPr>
+        <p:spPr>
+          <a:xfrm>
+            <a:off x="7892249" y="2111356"/>
+            <a:ext cx="4004156" cy="1754326"/>
+          </a:xfrm>
+          <a:prstGeom prst="rect">
+            <a:avLst/>
+          </a:prstGeom>
+          <a:noFill/>
+        </p:spPr>
+        <p:txBody>
+          <a:bodyPr wrap="square" rtlCol="0">
+            <a:spAutoFit/>
+          </a:bodyPr>
+          <a:lstStyle/>
+          <a:p>
+            <a:r>
+              <a:rPr lang="en-US" dirty="0"/>
+              <a:t>	For multi-thread testing, 2020 and 2021 (ARM) Mac laptops see significant speed-up relative to the 2019 (x86) Mac laptop. However, 2021-2020 speed up is not significant.</a:t>
+            </a:r>
+          </a:p>
+        </p:txBody>
+      </p:sp>
+      <p:sp>
+        <p:nvSpPr>
+          <p:cNvPr id="5" name="TextBox 4">
+            <a:extLst>
+              <a:ext uri="{FF2B5EF4-FFF2-40B4-BE49-F238E27FC236}">
+                <a16:creationId xmlns:a16="http://schemas.microsoft.com/office/drawing/2014/main" id="{50155230-FB84-4A3E-B05F-A92D35987C0F}"/>
+              </a:ext>
+            </a:extLst>
+          </p:cNvPr>
+          <p:cNvSpPr txBox="1"/>
+          <p:nvPr/>
+        </p:nvSpPr>
+        <p:spPr>
+          <a:xfrm>
+            <a:off x="7892249" y="4103531"/>
+            <a:ext cx="3873623" cy="1200329"/>
+          </a:xfrm>
+          <a:prstGeom prst="rect">
+            <a:avLst/>
+          </a:prstGeom>
+          <a:noFill/>
+        </p:spPr>
+        <p:txBody>
+          <a:bodyPr wrap="square" rtlCol="0">
+            <a:spAutoFit/>
+          </a:bodyPr>
+          <a:lstStyle/>
+          <a:p>
+            <a:r>
+              <a:rPr lang="en-US" dirty="0"/>
+              <a:t>	For single thread performance, 2021 Mac sees the greatest speed up relative to the 2019, but not significantly.</a:t>
+            </a:r>
+          </a:p>
+        </p:txBody>
+      </p:sp>
     </p:spTree>
     <p:extLst>
       <p:ext uri="{BB962C8B-B14F-4D97-AF65-F5344CB8AC3E}">
         <p14:creationId xmlns:p14="http://schemas.microsoft.com/office/powerpoint/2010/main" val="1645917257"/>
-      </p:ext>
-    </p:extLst>
-  </p:cSld>
-  <p:clrMapOvr>
-    <a:masterClrMapping/>
-  </p:clrMapOvr>
-</p:sld>
-</file>
-
-<file path=ppt/slides/slide9.xml><?xml version="1.0" encoding="utf-8"?>
-<p:sld xmlns:a="http://schemas.openxmlformats.org/drawingml/2006/main" xmlns:r="http://schemas.openxmlformats.org/officeDocument/2006/relationships" xmlns:p="http://schemas.openxmlformats.org/presentationml/2006/main">
-  <p:cSld>
-    <p:spTree>
-      <p:nvGrpSpPr>
-        <p:cNvPr id="1" name=""/>
-        <p:cNvGrpSpPr/>
-        <p:nvPr/>
-      </p:nvGrpSpPr>
-      <p:grpSpPr>
-        <a:xfrm>
-          <a:off x="0" y="0"/>
-          <a:ext cx="0" cy="0"/>
-          <a:chOff x="0" y="0"/>
-          <a:chExt cx="0" cy="0"/>
-        </a:xfrm>
-      </p:grpSpPr>
-      <p:sp>
-        <p:nvSpPr>
-          <p:cNvPr id="2" name="Title 1">
-            <a:extLst>
-              <a:ext uri="{FF2B5EF4-FFF2-40B4-BE49-F238E27FC236}">
-                <a16:creationId xmlns:a16="http://schemas.microsoft.com/office/drawing/2014/main" id="{251A3675-2F83-4B26-AA1F-66883A842D51}"/>
-              </a:ext>
-            </a:extLst>
-          </p:cNvPr>
-          <p:cNvSpPr>
-            <a:spLocks noGrp="1"/>
-          </p:cNvSpPr>
-          <p:nvPr>
-            <p:ph type="title"/>
-          </p:nvPr>
-        </p:nvSpPr>
-        <p:spPr/>
-        <p:txBody>
-          <a:bodyPr/>
-          <a:lstStyle/>
-          <a:p>
-            <a:r>
-              <a:rPr lang="en-US" dirty="0"/>
-              <a:t>Minecraft Testing</a:t>
-            </a:r>
-          </a:p>
-        </p:txBody>
-      </p:sp>
-      <p:sp>
-        <p:nvSpPr>
-          <p:cNvPr id="3" name="Content Placeholder 2">
-            <a:extLst>
-              <a:ext uri="{FF2B5EF4-FFF2-40B4-BE49-F238E27FC236}">
-                <a16:creationId xmlns:a16="http://schemas.microsoft.com/office/drawing/2014/main" id="{9EBE7CF1-88CF-416C-A070-8BDAA1AE570A}"/>
-              </a:ext>
-            </a:extLst>
-          </p:cNvPr>
-          <p:cNvSpPr>
-            <a:spLocks noGrp="1"/>
-          </p:cNvSpPr>
-          <p:nvPr>
-            <p:ph idx="1"/>
-          </p:nvPr>
-        </p:nvSpPr>
-        <p:spPr/>
-        <p:txBody>
-          <a:bodyPr/>
-          <a:lstStyle/>
-          <a:p>
-            <a:r>
-              <a:rPr lang="en-US" dirty="0"/>
-              <a:t>A general, common day to day use case. </a:t>
-            </a:r>
-          </a:p>
-          <a:p>
-            <a:r>
-              <a:rPr lang="en-US" dirty="0"/>
-              <a:t>Render distance, fast graphics, identical seeds, identical coordinates</a:t>
-            </a:r>
-          </a:p>
-          <a:p>
-            <a:r>
-              <a:rPr lang="en-US" dirty="0"/>
-              <a:t>Measure CPU temperature and percentages, FPS</a:t>
-            </a:r>
-          </a:p>
-          <a:p>
-            <a:r>
-              <a:rPr lang="en-US" dirty="0"/>
-              <a:t>Minimal background applications.</a:t>
-            </a:r>
-          </a:p>
-        </p:txBody>
-      </p:sp>
-    </p:spTree>
-    <p:extLst>
-      <p:ext uri="{BB962C8B-B14F-4D97-AF65-F5344CB8AC3E}">
-        <p14:creationId xmlns:p14="http://schemas.microsoft.com/office/powerpoint/2010/main" val="2352377126"/>
       </p:ext>
     </p:extLst>
   </p:cSld>

--- a/Project Presentation.pptx
+++ b/Project Presentation.pptx
@@ -5,7 +5,7 @@
     <p:sldMasterId id="2147483808" r:id="rId1"/>
   </p:sldMasterIdLst>
   <p:notesMasterIdLst>
-    <p:notesMasterId r:id="rId14"/>
+    <p:notesMasterId r:id="rId15"/>
   </p:notesMasterIdLst>
   <p:sldIdLst>
     <p:sldId id="256" r:id="rId2"/>
@@ -14,12 +14,13 @@
     <p:sldId id="260" r:id="rId5"/>
     <p:sldId id="258" r:id="rId6"/>
     <p:sldId id="266" r:id="rId7"/>
-    <p:sldId id="261" r:id="rId8"/>
-    <p:sldId id="262" r:id="rId9"/>
-    <p:sldId id="263" r:id="rId10"/>
-    <p:sldId id="259" r:id="rId11"/>
-    <p:sldId id="267" r:id="rId12"/>
-    <p:sldId id="264" r:id="rId13"/>
+    <p:sldId id="268" r:id="rId8"/>
+    <p:sldId id="261" r:id="rId9"/>
+    <p:sldId id="262" r:id="rId10"/>
+    <p:sldId id="263" r:id="rId11"/>
+    <p:sldId id="259" r:id="rId12"/>
+    <p:sldId id="267" r:id="rId13"/>
+    <p:sldId id="264" r:id="rId14"/>
   </p:sldIdLst>
   <p:sldSz cx="12192000" cy="6858000"/>
   <p:notesSz cx="6858000" cy="9144000"/>
@@ -208,7 +209,7 @@
           <a:p>
             <a:fld id="{A99966F8-924B-4C69-B8D7-CFDFBF2DE7A0}" type="datetimeFigureOut">
               <a:rPr lang="en-US" smtClean="0"/>
-              <a:t>4/26/2022</a:t>
+              <a:t>4/27/2022</a:t>
             </a:fld>
             <a:endParaRPr lang="en-US"/>
           </a:p>
@@ -1220,7 +1221,7 @@
           <a:p>
             <a:fld id="{A027C059-66A1-4552-859C-264AC912BE4A}" type="datetimeFigureOut">
               <a:rPr lang="en-US" smtClean="0"/>
-              <a:t>4/26/2022</a:t>
+              <a:t>4/27/2022</a:t>
             </a:fld>
             <a:endParaRPr lang="en-US"/>
           </a:p>
@@ -1471,7 +1472,7 @@
           <a:p>
             <a:fld id="{A027C059-66A1-4552-859C-264AC912BE4A}" type="datetimeFigureOut">
               <a:rPr lang="en-US" smtClean="0"/>
-              <a:t>4/26/2022</a:t>
+              <a:t>4/27/2022</a:t>
             </a:fld>
             <a:endParaRPr lang="en-US"/>
           </a:p>
@@ -1785,7 +1786,7 @@
           <a:p>
             <a:fld id="{A027C059-66A1-4552-859C-264AC912BE4A}" type="datetimeFigureOut">
               <a:rPr lang="en-US" smtClean="0"/>
-              <a:t>4/26/2022</a:t>
+              <a:t>4/27/2022</a:t>
             </a:fld>
             <a:endParaRPr lang="en-US"/>
           </a:p>
@@ -2118,7 +2119,7 @@
           <a:p>
             <a:fld id="{A027C059-66A1-4552-859C-264AC912BE4A}" type="datetimeFigureOut">
               <a:rPr lang="en-US" smtClean="0"/>
-              <a:t>4/26/2022</a:t>
+              <a:t>4/27/2022</a:t>
             </a:fld>
             <a:endParaRPr lang="en-US"/>
           </a:p>
@@ -2432,7 +2433,7 @@
           <a:p>
             <a:fld id="{A027C059-66A1-4552-859C-264AC912BE4A}" type="datetimeFigureOut">
               <a:rPr lang="en-US" smtClean="0"/>
-              <a:t>4/26/2022</a:t>
+              <a:t>4/27/2022</a:t>
             </a:fld>
             <a:endParaRPr lang="en-US"/>
           </a:p>
@@ -2825,7 +2826,7 @@
           <a:p>
             <a:fld id="{A027C059-66A1-4552-859C-264AC912BE4A}" type="datetimeFigureOut">
               <a:rPr lang="en-US" smtClean="0"/>
-              <a:t>4/26/2022</a:t>
+              <a:t>4/27/2022</a:t>
             </a:fld>
             <a:endParaRPr lang="en-US"/>
           </a:p>
@@ -2995,7 +2996,7 @@
           <a:p>
             <a:fld id="{A027C059-66A1-4552-859C-264AC912BE4A}" type="datetimeFigureOut">
               <a:rPr lang="en-US" smtClean="0"/>
-              <a:t>4/26/2022</a:t>
+              <a:t>4/27/2022</a:t>
             </a:fld>
             <a:endParaRPr lang="en-US"/>
           </a:p>
@@ -3175,7 +3176,7 @@
           <a:p>
             <a:fld id="{A027C059-66A1-4552-859C-264AC912BE4A}" type="datetimeFigureOut">
               <a:rPr lang="en-US" smtClean="0"/>
-              <a:t>4/26/2022</a:t>
+              <a:t>4/27/2022</a:t>
             </a:fld>
             <a:endParaRPr lang="en-US"/>
           </a:p>
@@ -3345,7 +3346,7 @@
           <a:p>
             <a:fld id="{A027C059-66A1-4552-859C-264AC912BE4A}" type="datetimeFigureOut">
               <a:rPr lang="en-US" smtClean="0"/>
-              <a:t>4/26/2022</a:t>
+              <a:t>4/27/2022</a:t>
             </a:fld>
             <a:endParaRPr lang="en-US"/>
           </a:p>
@@ -3592,7 +3593,7 @@
           <a:p>
             <a:fld id="{A027C059-66A1-4552-859C-264AC912BE4A}" type="datetimeFigureOut">
               <a:rPr lang="en-US" smtClean="0"/>
-              <a:t>4/26/2022</a:t>
+              <a:t>4/27/2022</a:t>
             </a:fld>
             <a:endParaRPr lang="en-US"/>
           </a:p>
@@ -3824,7 +3825,7 @@
           <a:p>
             <a:fld id="{A027C059-66A1-4552-859C-264AC912BE4A}" type="datetimeFigureOut">
               <a:rPr lang="en-US" smtClean="0"/>
-              <a:t>4/26/2022</a:t>
+              <a:t>4/27/2022</a:t>
             </a:fld>
             <a:endParaRPr lang="en-US"/>
           </a:p>
@@ -4198,7 +4199,7 @@
           <a:p>
             <a:fld id="{A027C059-66A1-4552-859C-264AC912BE4A}" type="datetimeFigureOut">
               <a:rPr lang="en-US" smtClean="0"/>
-              <a:t>4/26/2022</a:t>
+              <a:t>4/27/2022</a:t>
             </a:fld>
             <a:endParaRPr lang="en-US"/>
           </a:p>
@@ -4321,7 +4322,7 @@
           <a:p>
             <a:fld id="{A027C059-66A1-4552-859C-264AC912BE4A}" type="datetimeFigureOut">
               <a:rPr lang="en-US" smtClean="0"/>
-              <a:t>4/26/2022</a:t>
+              <a:t>4/27/2022</a:t>
             </a:fld>
             <a:endParaRPr lang="en-US"/>
           </a:p>
@@ -4416,7 +4417,7 @@
           <a:p>
             <a:fld id="{A027C059-66A1-4552-859C-264AC912BE4A}" type="datetimeFigureOut">
               <a:rPr lang="en-US" smtClean="0"/>
-              <a:t>4/26/2022</a:t>
+              <a:t>4/27/2022</a:t>
             </a:fld>
             <a:endParaRPr lang="en-US"/>
           </a:p>
@@ -4671,7 +4672,7 @@
           <a:p>
             <a:fld id="{A027C059-66A1-4552-859C-264AC912BE4A}" type="datetimeFigureOut">
               <a:rPr lang="en-US" smtClean="0"/>
-              <a:t>4/26/2022</a:t>
+              <a:t>4/27/2022</a:t>
             </a:fld>
             <a:endParaRPr lang="en-US"/>
           </a:p>
@@ -4976,7 +4977,7 @@
           <a:p>
             <a:fld id="{A027C059-66A1-4552-859C-264AC912BE4A}" type="datetimeFigureOut">
               <a:rPr lang="en-US" smtClean="0"/>
-              <a:t>4/26/2022</a:t>
+              <a:t>4/27/2022</a:t>
             </a:fld>
             <a:endParaRPr lang="en-US"/>
           </a:p>
@@ -5678,7 +5679,7 @@
           <a:p>
             <a:fld id="{A027C059-66A1-4552-859C-264AC912BE4A}" type="datetimeFigureOut">
               <a:rPr lang="en-US" smtClean="0"/>
-              <a:t>4/26/2022</a:t>
+              <a:t>4/27/2022</a:t>
             </a:fld>
             <a:endParaRPr lang="en-US"/>
           </a:p>
@@ -6218,13 +6219,19 @@
             <p:ph type="ctrTitle"/>
           </p:nvPr>
         </p:nvSpPr>
-        <p:spPr/>
+        <p:spPr>
+          <a:xfrm>
+            <a:off x="1507067" y="2118049"/>
+            <a:ext cx="7766936" cy="1932787"/>
+          </a:xfrm>
+        </p:spPr>
         <p:txBody>
           <a:bodyPr/>
           <a:lstStyle/>
           <a:p>
-            <a:r>
-              <a:rPr lang="en-US" dirty="0"/>
+            <a:pPr algn="ctr"/>
+            <a:r>
+              <a:rPr lang="en-US" sz="6000" dirty="0"/>
               <a:t>Performance Gain related to MSRP</a:t>
             </a:r>
           </a:p>
@@ -6248,11 +6255,14 @@
         </p:nvSpPr>
         <p:spPr/>
         <p:txBody>
-          <a:bodyPr/>
-          <a:lstStyle/>
-          <a:p>
-            <a:r>
-              <a:rPr lang="en-US" dirty="0"/>
+          <a:bodyPr>
+            <a:normAutofit/>
+          </a:bodyPr>
+          <a:lstStyle/>
+          <a:p>
+            <a:pPr algn="ctr"/>
+            <a:r>
+              <a:rPr lang="en-US" sz="3200" dirty="0"/>
               <a:t>Chris Le, Robert Bonham, Carson Holland</a:t>
             </a:r>
           </a:p>
@@ -6293,6 +6303,182 @@
           <p:cNvPr id="2" name="Title 1">
             <a:extLst>
               <a:ext uri="{FF2B5EF4-FFF2-40B4-BE49-F238E27FC236}">
+                <a16:creationId xmlns:a16="http://schemas.microsoft.com/office/drawing/2014/main" id="{2A6A62D6-AF12-4241-AB2A-127288653103}"/>
+              </a:ext>
+            </a:extLst>
+          </p:cNvPr>
+          <p:cNvSpPr>
+            <a:spLocks noGrp="1"/>
+          </p:cNvSpPr>
+          <p:nvPr>
+            <p:ph type="title"/>
+          </p:nvPr>
+        </p:nvSpPr>
+        <p:spPr>
+          <a:xfrm>
+            <a:off x="80174" y="346649"/>
+            <a:ext cx="9614331" cy="1320800"/>
+          </a:xfrm>
+        </p:spPr>
+        <p:txBody>
+          <a:bodyPr/>
+          <a:lstStyle/>
+          <a:p>
+            <a:r>
+              <a:rPr lang="en-US" dirty="0"/>
+              <a:t>Scale.c - Speed Up Ratios </a:t>
+            </a:r>
+            <a:br>
+              <a:rPr lang="en-US" dirty="0"/>
+            </a:br>
+            <a:r>
+              <a:rPr lang="en-US" dirty="0"/>
+              <a:t>(Average of All Tests)</a:t>
+            </a:r>
+          </a:p>
+        </p:txBody>
+      </p:sp>
+      <p:pic>
+        <p:nvPicPr>
+          <p:cNvPr id="4" name="Picture 3" descr="Chart, bar chart&#10;&#10;Description automatically generated">
+            <a:extLst>
+              <a:ext uri="{FF2B5EF4-FFF2-40B4-BE49-F238E27FC236}">
+                <a16:creationId xmlns:a16="http://schemas.microsoft.com/office/drawing/2014/main" id="{0E90D549-A09F-4A99-AC12-F269BD5E20ED}"/>
+              </a:ext>
+            </a:extLst>
+          </p:cNvPr>
+          <p:cNvPicPr>
+            <a:picLocks noChangeAspect="1"/>
+          </p:cNvPicPr>
+          <p:nvPr/>
+        </p:nvPicPr>
+        <p:blipFill>
+          <a:blip r:embed="rId2">
+            <a:extLst>
+              <a:ext uri="{28A0092B-C50C-407E-A947-70E740481C1C}">
+                <a14:useLocalDpi xmlns:a14="http://schemas.microsoft.com/office/drawing/2010/main" val="0"/>
+              </a:ext>
+            </a:extLst>
+          </a:blip>
+          <a:stretch>
+            <a:fillRect/>
+          </a:stretch>
+        </p:blipFill>
+        <p:spPr>
+          <a:xfrm>
+            <a:off x="0" y="1755099"/>
+            <a:ext cx="7168895" cy="4696863"/>
+          </a:xfrm>
+          <a:prstGeom prst="rect">
+            <a:avLst/>
+          </a:prstGeom>
+        </p:spPr>
+      </p:pic>
+      <p:sp>
+        <p:nvSpPr>
+          <p:cNvPr id="3" name="TextBox 2">
+            <a:extLst>
+              <a:ext uri="{FF2B5EF4-FFF2-40B4-BE49-F238E27FC236}">
+                <a16:creationId xmlns:a16="http://schemas.microsoft.com/office/drawing/2014/main" id="{FA1A959A-3710-4D35-A7E3-6240647501AF}"/>
+              </a:ext>
+            </a:extLst>
+          </p:cNvPr>
+          <p:cNvSpPr txBox="1"/>
+          <p:nvPr/>
+        </p:nvSpPr>
+        <p:spPr>
+          <a:xfrm>
+            <a:off x="7168894" y="1930400"/>
+            <a:ext cx="4596977" cy="1477328"/>
+          </a:xfrm>
+          <a:prstGeom prst="rect">
+            <a:avLst/>
+          </a:prstGeom>
+          <a:noFill/>
+        </p:spPr>
+        <p:txBody>
+          <a:bodyPr wrap="square" rtlCol="0">
+            <a:spAutoFit/>
+          </a:bodyPr>
+          <a:lstStyle/>
+          <a:p>
+            <a:r>
+              <a:rPr lang="en-US" dirty="0"/>
+              <a:t>	For multi-thread testing, 2020 and 2021 (ARM) Mac laptops see significant speed-up relative to the 2019 (x86) Mac laptop. However, 2021-2020 speed up is not significant.</a:t>
+            </a:r>
+          </a:p>
+        </p:txBody>
+      </p:sp>
+      <p:sp>
+        <p:nvSpPr>
+          <p:cNvPr id="5" name="TextBox 4">
+            <a:extLst>
+              <a:ext uri="{FF2B5EF4-FFF2-40B4-BE49-F238E27FC236}">
+                <a16:creationId xmlns:a16="http://schemas.microsoft.com/office/drawing/2014/main" id="{50155230-FB84-4A3E-B05F-A92D35987C0F}"/>
+              </a:ext>
+            </a:extLst>
+          </p:cNvPr>
+          <p:cNvSpPr txBox="1"/>
+          <p:nvPr/>
+        </p:nvSpPr>
+        <p:spPr>
+          <a:xfrm>
+            <a:off x="7257767" y="4103530"/>
+            <a:ext cx="4172233" cy="1200329"/>
+          </a:xfrm>
+          <a:prstGeom prst="rect">
+            <a:avLst/>
+          </a:prstGeom>
+          <a:noFill/>
+        </p:spPr>
+        <p:txBody>
+          <a:bodyPr wrap="square" rtlCol="0">
+            <a:spAutoFit/>
+          </a:bodyPr>
+          <a:lstStyle/>
+          <a:p>
+            <a:r>
+              <a:rPr lang="en-US" dirty="0"/>
+              <a:t>	For single thread performance, 2021 Mac sees the greatest speed up relative to the 2019, but not significantly.</a:t>
+            </a:r>
+          </a:p>
+        </p:txBody>
+      </p:sp>
+    </p:spTree>
+    <p:extLst>
+      <p:ext uri="{BB962C8B-B14F-4D97-AF65-F5344CB8AC3E}">
+        <p14:creationId xmlns:p14="http://schemas.microsoft.com/office/powerpoint/2010/main" val="1645917257"/>
+      </p:ext>
+    </p:extLst>
+  </p:cSld>
+  <p:clrMapOvr>
+    <a:masterClrMapping/>
+  </p:clrMapOvr>
+</p:sld>
+</file>
+
+<file path=ppt/slides/slide11.xml><?xml version="1.0" encoding="utf-8"?>
+<p:sld xmlns:a="http://schemas.openxmlformats.org/drawingml/2006/main" xmlns:r="http://schemas.openxmlformats.org/officeDocument/2006/relationships" xmlns:p="http://schemas.openxmlformats.org/presentationml/2006/main">
+  <p:cSld>
+    <p:spTree>
+      <p:nvGrpSpPr>
+        <p:cNvPr id="1" name=""/>
+        <p:cNvGrpSpPr/>
+        <p:nvPr/>
+      </p:nvGrpSpPr>
+      <p:grpSpPr>
+        <a:xfrm>
+          <a:off x="0" y="0"/>
+          <a:ext cx="0" cy="0"/>
+          <a:chOff x="0" y="0"/>
+          <a:chExt cx="0" cy="0"/>
+        </a:xfrm>
+      </p:grpSpPr>
+      <p:sp>
+        <p:nvSpPr>
+          <p:cNvPr id="2" name="Title 1">
+            <a:extLst>
+              <a:ext uri="{FF2B5EF4-FFF2-40B4-BE49-F238E27FC236}">
                 <a16:creationId xmlns:a16="http://schemas.microsoft.com/office/drawing/2014/main" id="{251A3675-2F83-4B26-AA1F-66883A842D51}"/>
               </a:ext>
             </a:extLst>
@@ -6345,7 +6531,7 @@
           <a:p>
             <a:r>
               <a:rPr lang="en-US" i="1" dirty="0"/>
-              <a:t>A general, common day to day use case.</a:t>
+              <a:t>A general, common day to day use case, but an intensive program.</a:t>
             </a:r>
           </a:p>
           <a:p>
@@ -6452,7 +6638,7 @@
 </p:sld>
 </file>
 
-<file path=ppt/slides/slide11.xml><?xml version="1.0" encoding="utf-8"?>
+<file path=ppt/slides/slide12.xml><?xml version="1.0" encoding="utf-8"?>
 <p:sld xmlns:a="http://schemas.openxmlformats.org/drawingml/2006/main" xmlns:r="http://schemas.openxmlformats.org/officeDocument/2006/relationships" xmlns:p="http://schemas.openxmlformats.org/presentationml/2006/main">
   <p:cSld>
     <p:spTree>
@@ -6546,8 +6732,8 @@
         </p:nvSpPr>
         <p:spPr>
           <a:xfrm>
-            <a:off x="5686179" y="2105025"/>
-            <a:ext cx="3592650" cy="369332"/>
+            <a:off x="5518228" y="2053339"/>
+            <a:ext cx="5838521" cy="923330"/>
           </a:xfrm>
           <a:prstGeom prst="rect">
             <a:avLst/>
@@ -6559,6 +6745,15 @@
             <a:spAutoFit/>
           </a:bodyPr>
           <a:lstStyle/>
+          <a:p>
+            <a:r>
+              <a:rPr lang="en-US" dirty="0"/>
+              <a:t>A sample of Minecraft data collected on the 2020 Mac.</a:t>
+            </a:r>
+          </a:p>
+          <a:p>
+            <a:endParaRPr lang="en-US" dirty="0"/>
+          </a:p>
           <a:p>
             <a:r>
               <a:rPr lang="en-US" dirty="0"/>
@@ -6580,7 +6775,7 @@
 </p:sld>
 </file>
 
-<file path=ppt/slides/slide12.xml><?xml version="1.0" encoding="utf-8"?>
+<file path=ppt/slides/slide13.xml><?xml version="1.0" encoding="utf-8"?>
 <p:sld xmlns:a="http://schemas.openxmlformats.org/drawingml/2006/main" xmlns:r="http://schemas.openxmlformats.org/officeDocument/2006/relationships" xmlns:p="http://schemas.openxmlformats.org/presentationml/2006/main">
   <p:cSld>
     <p:spTree>
@@ -6955,7 +7150,7 @@
         </p:blipFill>
         <p:spPr bwMode="auto">
           <a:xfrm>
-            <a:off x="1023938" y="4792666"/>
+            <a:off x="2003652" y="4927601"/>
             <a:ext cx="2740401" cy="1817684"/>
           </a:xfrm>
           <a:prstGeom prst="rect">
@@ -7002,7 +7197,7 @@
         </p:blipFill>
         <p:spPr bwMode="auto">
           <a:xfrm>
-            <a:off x="4419600" y="5200650"/>
+            <a:off x="5194041" y="5429250"/>
             <a:ext cx="3867150" cy="1181100"/>
           </a:xfrm>
           <a:prstGeom prst="rect">
@@ -7094,14 +7289,14 @@
             <p:ph idx="1"/>
             <p:extLst>
               <p:ext uri="{D42A27DB-BD31-4B8C-83A1-F6EECF244321}">
-                <p14:modId xmlns:p14="http://schemas.microsoft.com/office/powerpoint/2010/main" val="4127559535"/>
+                <p14:modId xmlns:p14="http://schemas.microsoft.com/office/powerpoint/2010/main" val="1354137406"/>
               </p:ext>
             </p:extLst>
           </p:nvPr>
         </p:nvGraphicFramePr>
         <p:xfrm>
-          <a:off x="765110" y="2160588"/>
-          <a:ext cx="9143999" cy="1752600"/>
+          <a:off x="403668" y="2412514"/>
+          <a:ext cx="9608078" cy="1483360"/>
         </p:xfrm>
         <a:graphic>
           <a:graphicData uri="http://schemas.openxmlformats.org/drawingml/2006/table">
@@ -7110,42 +7305,42 @@
                 <a:tableStyleId>{5C22544A-7EE6-4342-B048-85BDC9FD1C3A}</a:tableStyleId>
               </a:tblPr>
               <a:tblGrid>
-                <a:gridCol w="1144761">
+                <a:gridCol w="1202860">
                   <a:extLst>
                     <a:ext uri="{9D8B030D-6E8A-4147-A177-3AD203B41FA5}">
                       <a16:colId xmlns:a16="http://schemas.microsoft.com/office/drawing/2014/main" val="852764809"/>
                     </a:ext>
                   </a:extLst>
                 </a:gridCol>
-                <a:gridCol w="2085600">
+                <a:gridCol w="1929774">
                   <a:extLst>
                     <a:ext uri="{9D8B030D-6E8A-4147-A177-3AD203B41FA5}">
                       <a16:colId xmlns:a16="http://schemas.microsoft.com/office/drawing/2014/main" val="680525878"/>
                     </a:ext>
                   </a:extLst>
                 </a:gridCol>
-                <a:gridCol w="1388292">
+                <a:gridCol w="1875453">
                   <a:extLst>
                     <a:ext uri="{9D8B030D-6E8A-4147-A177-3AD203B41FA5}">
                       <a16:colId xmlns:a16="http://schemas.microsoft.com/office/drawing/2014/main" val="542385586"/>
                     </a:ext>
                   </a:extLst>
                 </a:gridCol>
-                <a:gridCol w="1520890">
+                <a:gridCol w="1443052">
                   <a:extLst>
                     <a:ext uri="{9D8B030D-6E8A-4147-A177-3AD203B41FA5}">
                       <a16:colId xmlns:a16="http://schemas.microsoft.com/office/drawing/2014/main" val="656651403"/>
                     </a:ext>
                   </a:extLst>
                 </a:gridCol>
-                <a:gridCol w="1584179">
+                <a:gridCol w="1664580">
                   <a:extLst>
                     <a:ext uri="{9D8B030D-6E8A-4147-A177-3AD203B41FA5}">
                       <a16:colId xmlns:a16="http://schemas.microsoft.com/office/drawing/2014/main" val="2604181824"/>
                     </a:ext>
                   </a:extLst>
                 </a:gridCol>
-                <a:gridCol w="1420277">
+                <a:gridCol w="1492359">
                   <a:extLst>
                     <a:ext uri="{9D8B030D-6E8A-4147-A177-3AD203B41FA5}">
                       <a16:colId xmlns:a16="http://schemas.microsoft.com/office/drawing/2014/main" val="538192702"/>
@@ -7990,6 +8185,100 @@
           <p:cNvPr id="2" name="Title 1">
             <a:extLst>
               <a:ext uri="{FF2B5EF4-FFF2-40B4-BE49-F238E27FC236}">
+                <a16:creationId xmlns:a16="http://schemas.microsoft.com/office/drawing/2014/main" id="{09AC6409-78CC-469E-A349-F19737BA8642}"/>
+              </a:ext>
+            </a:extLst>
+          </p:cNvPr>
+          <p:cNvSpPr>
+            <a:spLocks noGrp="1"/>
+          </p:cNvSpPr>
+          <p:nvPr>
+            <p:ph type="title"/>
+          </p:nvPr>
+        </p:nvSpPr>
+        <p:spPr/>
+        <p:txBody>
+          <a:bodyPr/>
+          <a:lstStyle/>
+          <a:p>
+            <a:r>
+              <a:rPr lang="en-US" dirty="0"/>
+              <a:t>Scale.c – Excel Data</a:t>
+            </a:r>
+          </a:p>
+        </p:txBody>
+      </p:sp>
+      <p:pic>
+        <p:nvPicPr>
+          <p:cNvPr id="5" name="Picture 4" descr="Graphical user interface, application&#10;&#10;Description automatically generated">
+            <a:extLst>
+              <a:ext uri="{FF2B5EF4-FFF2-40B4-BE49-F238E27FC236}">
+                <a16:creationId xmlns:a16="http://schemas.microsoft.com/office/drawing/2014/main" id="{2F5DEA58-CB37-4990-BB87-933C26E9A510}"/>
+              </a:ext>
+            </a:extLst>
+          </p:cNvPr>
+          <p:cNvPicPr>
+            <a:picLocks noChangeAspect="1"/>
+          </p:cNvPicPr>
+          <p:nvPr/>
+        </p:nvPicPr>
+        <p:blipFill>
+          <a:blip r:embed="rId2">
+            <a:extLst>
+              <a:ext uri="{28A0092B-C50C-407E-A947-70E740481C1C}">
+                <a14:useLocalDpi xmlns:a14="http://schemas.microsoft.com/office/drawing/2010/main" val="0"/>
+              </a:ext>
+            </a:extLst>
+          </a:blip>
+          <a:stretch>
+            <a:fillRect/>
+          </a:stretch>
+        </p:blipFill>
+        <p:spPr>
+          <a:xfrm>
+            <a:off x="564204" y="1609645"/>
+            <a:ext cx="10496145" cy="4187779"/>
+          </a:xfrm>
+          <a:prstGeom prst="rect">
+            <a:avLst/>
+          </a:prstGeom>
+        </p:spPr>
+      </p:pic>
+    </p:spTree>
+    <p:extLst>
+      <p:ext uri="{BB962C8B-B14F-4D97-AF65-F5344CB8AC3E}">
+        <p14:creationId xmlns:p14="http://schemas.microsoft.com/office/powerpoint/2010/main" val="3330945048"/>
+      </p:ext>
+    </p:extLst>
+  </p:cSld>
+  <p:clrMapOvr>
+    <a:masterClrMapping/>
+  </p:clrMapOvr>
+</p:sld>
+</file>
+
+<file path=ppt/slides/slide8.xml><?xml version="1.0" encoding="utf-8"?>
+<p:sld xmlns:a="http://schemas.openxmlformats.org/drawingml/2006/main" xmlns:r="http://schemas.openxmlformats.org/officeDocument/2006/relationships" xmlns:p="http://schemas.openxmlformats.org/presentationml/2006/main">
+  <p:cSld>
+    <p:spTree>
+      <p:nvGrpSpPr>
+        <p:cNvPr id="1" name=""/>
+        <p:cNvGrpSpPr/>
+        <p:nvPr/>
+      </p:nvGrpSpPr>
+      <p:grpSpPr>
+        <a:xfrm>
+          <a:off x="0" y="0"/>
+          <a:ext cx="0" cy="0"/>
+          <a:chOff x="0" y="0"/>
+          <a:chExt cx="0" cy="0"/>
+        </a:xfrm>
+      </p:grpSpPr>
+      <p:sp>
+        <p:nvSpPr>
+          <p:cNvPr id="2" name="Title 1">
+            <a:extLst>
+              <a:ext uri="{FF2B5EF4-FFF2-40B4-BE49-F238E27FC236}">
                 <a16:creationId xmlns:a16="http://schemas.microsoft.com/office/drawing/2014/main" id="{FB596A85-49C4-43E7-BCE7-5F0B91DC0694}"/>
               </a:ext>
             </a:extLst>
@@ -8008,7 +8297,7 @@
           <a:p>
             <a:r>
               <a:rPr lang="en-US" dirty="0"/>
-              <a:t>Scale.c Data Thread Count Testing</a:t>
+              <a:t>Scale.c - Data Thread Count Testing</a:t>
             </a:r>
           </a:p>
         </p:txBody>
@@ -8100,7 +8389,7 @@
         <p:spPr>
           <a:xfrm>
             <a:off x="677334" y="1270000"/>
-            <a:ext cx="1572611" cy="307777"/>
+            <a:ext cx="2112519" cy="369332"/>
           </a:xfrm>
           <a:prstGeom prst="rect">
             <a:avLst/>
@@ -8114,7 +8403,7 @@
           <a:lstStyle/>
           <a:p>
             <a:r>
-              <a:rPr lang="en-US" sz="1400" dirty="0">
+              <a:rPr lang="en-US" b="1" i="1" u="sng" dirty="0">
                 <a:solidFill>
                   <a:schemeClr val="accent1"/>
                 </a:solidFill>
@@ -8137,7 +8426,7 @@
 </p:sld>
 </file>
 
-<file path=ppt/slides/slide8.xml><?xml version="1.0" encoding="utf-8"?>
+<file path=ppt/slides/slide9.xml><?xml version="1.0" encoding="utf-8"?>
 <p:sld xmlns:a="http://schemas.openxmlformats.org/drawingml/2006/main" xmlns:r="http://schemas.openxmlformats.org/officeDocument/2006/relationships" xmlns:p="http://schemas.openxmlformats.org/presentationml/2006/main">
   <p:cSld>
     <p:spTree>
@@ -8177,7 +8466,7 @@
           <a:p>
             <a:r>
               <a:rPr lang="en-US" dirty="0"/>
-              <a:t>Scale.c Data Count Testing</a:t>
+              <a:t>Scale.c - Data Count Testing</a:t>
             </a:r>
           </a:p>
         </p:txBody>
@@ -8269,7 +8558,7 @@
         <p:spPr>
           <a:xfrm>
             <a:off x="677334" y="1270000"/>
-            <a:ext cx="1639738" cy="307777"/>
+            <a:ext cx="1851262" cy="369332"/>
           </a:xfrm>
           <a:prstGeom prst="rect">
             <a:avLst/>
@@ -8283,7 +8572,7 @@
           <a:lstStyle/>
           <a:p>
             <a:r>
-              <a:rPr lang="en-US" sz="1400" dirty="0">
+              <a:rPr lang="en-US" b="1" i="1" u="sng" dirty="0">
                 <a:solidFill>
                   <a:schemeClr val="accent1"/>
                 </a:solidFill>
@@ -8297,170 +8586,6 @@
     <p:extLst>
       <p:ext uri="{BB962C8B-B14F-4D97-AF65-F5344CB8AC3E}">
         <p14:creationId xmlns:p14="http://schemas.microsoft.com/office/powerpoint/2010/main" val="2564982369"/>
-      </p:ext>
-    </p:extLst>
-  </p:cSld>
-  <p:clrMapOvr>
-    <a:masterClrMapping/>
-  </p:clrMapOvr>
-</p:sld>
-</file>
-
-<file path=ppt/slides/slide9.xml><?xml version="1.0" encoding="utf-8"?>
-<p:sld xmlns:a="http://schemas.openxmlformats.org/drawingml/2006/main" xmlns:r="http://schemas.openxmlformats.org/officeDocument/2006/relationships" xmlns:p="http://schemas.openxmlformats.org/presentationml/2006/main">
-  <p:cSld>
-    <p:spTree>
-      <p:nvGrpSpPr>
-        <p:cNvPr id="1" name=""/>
-        <p:cNvGrpSpPr/>
-        <p:nvPr/>
-      </p:nvGrpSpPr>
-      <p:grpSpPr>
-        <a:xfrm>
-          <a:off x="0" y="0"/>
-          <a:ext cx="0" cy="0"/>
-          <a:chOff x="0" y="0"/>
-          <a:chExt cx="0" cy="0"/>
-        </a:xfrm>
-      </p:grpSpPr>
-      <p:sp>
-        <p:nvSpPr>
-          <p:cNvPr id="2" name="Title 1">
-            <a:extLst>
-              <a:ext uri="{FF2B5EF4-FFF2-40B4-BE49-F238E27FC236}">
-                <a16:creationId xmlns:a16="http://schemas.microsoft.com/office/drawing/2014/main" id="{2A6A62D6-AF12-4241-AB2A-127288653103}"/>
-              </a:ext>
-            </a:extLst>
-          </p:cNvPr>
-          <p:cNvSpPr>
-            <a:spLocks noGrp="1"/>
-          </p:cNvSpPr>
-          <p:nvPr>
-            <p:ph type="title"/>
-          </p:nvPr>
-        </p:nvSpPr>
-        <p:spPr/>
-        <p:txBody>
-          <a:bodyPr/>
-          <a:lstStyle/>
-          <a:p>
-            <a:r>
-              <a:rPr lang="en-US" dirty="0"/>
-              <a:t>Scale.c Speed Up Ratios</a:t>
-            </a:r>
-          </a:p>
-        </p:txBody>
-      </p:sp>
-      <p:pic>
-        <p:nvPicPr>
-          <p:cNvPr id="4" name="Picture 3" descr="Chart, bar chart&#10;&#10;Description automatically generated">
-            <a:extLst>
-              <a:ext uri="{FF2B5EF4-FFF2-40B4-BE49-F238E27FC236}">
-                <a16:creationId xmlns:a16="http://schemas.microsoft.com/office/drawing/2014/main" id="{0E90D549-A09F-4A99-AC12-F269BD5E20ED}"/>
-              </a:ext>
-            </a:extLst>
-          </p:cNvPr>
-          <p:cNvPicPr>
-            <a:picLocks noChangeAspect="1"/>
-          </p:cNvPicPr>
-          <p:nvPr/>
-        </p:nvPicPr>
-        <p:blipFill>
-          <a:blip r:embed="rId2">
-            <a:extLst>
-              <a:ext uri="{28A0092B-C50C-407E-A947-70E740481C1C}">
-                <a14:useLocalDpi xmlns:a14="http://schemas.microsoft.com/office/drawing/2010/main" val="0"/>
-              </a:ext>
-            </a:extLst>
-          </a:blip>
-          <a:stretch>
-            <a:fillRect/>
-          </a:stretch>
-        </p:blipFill>
-        <p:spPr>
-          <a:xfrm>
-            <a:off x="295595" y="1554140"/>
-            <a:ext cx="7596654" cy="4977119"/>
-          </a:xfrm>
-          <a:prstGeom prst="rect">
-            <a:avLst/>
-          </a:prstGeom>
-        </p:spPr>
-      </p:pic>
-      <p:sp>
-        <p:nvSpPr>
-          <p:cNvPr id="3" name="TextBox 2">
-            <a:extLst>
-              <a:ext uri="{FF2B5EF4-FFF2-40B4-BE49-F238E27FC236}">
-                <a16:creationId xmlns:a16="http://schemas.microsoft.com/office/drawing/2014/main" id="{FA1A959A-3710-4D35-A7E3-6240647501AF}"/>
-              </a:ext>
-            </a:extLst>
-          </p:cNvPr>
-          <p:cNvSpPr txBox="1"/>
-          <p:nvPr/>
-        </p:nvSpPr>
-        <p:spPr>
-          <a:xfrm>
-            <a:off x="7892249" y="2111356"/>
-            <a:ext cx="4004156" cy="1754326"/>
-          </a:xfrm>
-          <a:prstGeom prst="rect">
-            <a:avLst/>
-          </a:prstGeom>
-          <a:noFill/>
-        </p:spPr>
-        <p:txBody>
-          <a:bodyPr wrap="square" rtlCol="0">
-            <a:spAutoFit/>
-          </a:bodyPr>
-          <a:lstStyle/>
-          <a:p>
-            <a:r>
-              <a:rPr lang="en-US" dirty="0"/>
-              <a:t>	For multi-thread testing, 2020 and 2021 (ARM) Mac laptops see significant speed-up relative to the 2019 (x86) Mac laptop. However, 2021-2020 speed up is not significant.</a:t>
-            </a:r>
-          </a:p>
-        </p:txBody>
-      </p:sp>
-      <p:sp>
-        <p:nvSpPr>
-          <p:cNvPr id="5" name="TextBox 4">
-            <a:extLst>
-              <a:ext uri="{FF2B5EF4-FFF2-40B4-BE49-F238E27FC236}">
-                <a16:creationId xmlns:a16="http://schemas.microsoft.com/office/drawing/2014/main" id="{50155230-FB84-4A3E-B05F-A92D35987C0F}"/>
-              </a:ext>
-            </a:extLst>
-          </p:cNvPr>
-          <p:cNvSpPr txBox="1"/>
-          <p:nvPr/>
-        </p:nvSpPr>
-        <p:spPr>
-          <a:xfrm>
-            <a:off x="7892249" y="4103531"/>
-            <a:ext cx="3873623" cy="1200329"/>
-          </a:xfrm>
-          <a:prstGeom prst="rect">
-            <a:avLst/>
-          </a:prstGeom>
-          <a:noFill/>
-        </p:spPr>
-        <p:txBody>
-          <a:bodyPr wrap="square" rtlCol="0">
-            <a:spAutoFit/>
-          </a:bodyPr>
-          <a:lstStyle/>
-          <a:p>
-            <a:r>
-              <a:rPr lang="en-US" dirty="0"/>
-              <a:t>	For single thread performance, 2021 Mac sees the greatest speed up relative to the 2019, but not significantly.</a:t>
-            </a:r>
-          </a:p>
-        </p:txBody>
-      </p:sp>
-    </p:spTree>
-    <p:extLst>
-      <p:ext uri="{BB962C8B-B14F-4D97-AF65-F5344CB8AC3E}">
-        <p14:creationId xmlns:p14="http://schemas.microsoft.com/office/powerpoint/2010/main" val="1645917257"/>
       </p:ext>
     </p:extLst>
   </p:cSld>
